--- a/spring-note.pptx
+++ b/spring-note.pptx
@@ -5,10 +5,12 @@
     <p:sldMasterId id="2147483648" r:id="rId1"/>
   </p:sldMasterIdLst>
   <p:notesMasterIdLst>
-    <p:notesMasterId r:id="rId3"/>
+    <p:notesMasterId r:id="rId5"/>
   </p:notesMasterIdLst>
   <p:sldIdLst>
     <p:sldId id="256" r:id="rId2"/>
+    <p:sldId id="257" r:id="rId3"/>
+    <p:sldId id="258" r:id="rId4"/>
   </p:sldIdLst>
   <p:sldSz cx="12192000" cy="6858000"/>
   <p:notesSz cx="6858000" cy="9144000"/>
@@ -107,6 +109,11 @@
       </a:defRPr>
     </a:lvl9pPr>
   </p:defaultTextStyle>
+  <p:extLst>
+    <p:ext uri="{EFAFB233-063F-42B5-8137-9DF3F51BA10A}">
+      <p15:sldGuideLst xmlns:p15="http://schemas.microsoft.com/office/powerpoint/2012/main"/>
+    </p:ext>
+  </p:extLst>
 </p:presentation>
 </file>
 
@@ -192,7 +199,7 @@
           <a:p>
             <a:fld id="{EDCEE4D0-8360-4B41-9794-AE0E00E844E2}" type="datetimeFigureOut">
               <a:rPr kumimoji="1" lang="ko-Kore-KR" altLang="en-US" smtClean="0"/>
-              <a:t>2023. 8. 1.</a:t>
+              <a:t>2023. 8. 8.</a:t>
             </a:fld>
             <a:endParaRPr kumimoji="1" lang="ko-Kore-KR" altLang="en-US"/>
           </a:p>
@@ -1034,6 +1041,936 @@
 </p:notes>
 </file>
 
+<file path=ppt/notesSlides/notesSlide2.xml><?xml version="1.0" encoding="utf-8"?>
+<p:notes xmlns:a="http://schemas.openxmlformats.org/drawingml/2006/main" xmlns:r="http://schemas.openxmlformats.org/officeDocument/2006/relationships" xmlns:p="http://schemas.openxmlformats.org/presentationml/2006/main">
+  <p:cSld>
+    <p:spTree>
+      <p:nvGrpSpPr>
+        <p:cNvPr id="1" name=""/>
+        <p:cNvGrpSpPr/>
+        <p:nvPr/>
+      </p:nvGrpSpPr>
+      <p:grpSpPr>
+        <a:xfrm>
+          <a:off x="0" y="0"/>
+          <a:ext cx="0" cy="0"/>
+          <a:chOff x="0" y="0"/>
+          <a:chExt cx="0" cy="0"/>
+        </a:xfrm>
+      </p:grpSpPr>
+      <p:sp>
+        <p:nvSpPr>
+          <p:cNvPr id="2" name="슬라이드 이미지 개체 틀 1"/>
+          <p:cNvSpPr>
+            <a:spLocks noGrp="1" noRot="1" noChangeAspect="1"/>
+          </p:cNvSpPr>
+          <p:nvPr>
+            <p:ph type="sldImg"/>
+          </p:nvPr>
+        </p:nvSpPr>
+        <p:spPr/>
+      </p:sp>
+      <p:sp>
+        <p:nvSpPr>
+          <p:cNvPr id="3" name="슬라이드 노트 개체 틀 2"/>
+          <p:cNvSpPr>
+            <a:spLocks noGrp="1"/>
+          </p:cNvSpPr>
+          <p:nvPr>
+            <p:ph type="body" idx="1"/>
+          </p:nvPr>
+        </p:nvSpPr>
+        <p:spPr/>
+        <p:txBody>
+          <a:bodyPr/>
+          <a:lstStyle/>
+          <a:p>
+            <a:pPr marL="228600" indent="-228600">
+              <a:buAutoNum type="arabicPeriod"/>
+            </a:pPr>
+            <a:r>
+              <a:rPr kumimoji="1" lang="en-US" altLang="ko-Kore-KR" dirty="0"/>
+              <a:t>web</a:t>
+            </a:r>
+            <a:r>
+              <a:rPr kumimoji="1" lang="ko-Kore-KR" altLang="en-US" dirty="0"/>
+              <a:t>에서</a:t>
+            </a:r>
+            <a:r>
+              <a:rPr kumimoji="1" lang="en-US" altLang="ko-Kore-KR" dirty="0"/>
+              <a:t> </a:t>
+            </a:r>
+            <a:r>
+              <a:rPr kumimoji="1" lang="en-US" altLang="ko-KR" dirty="0"/>
+              <a:t>/hello-</a:t>
+            </a:r>
+            <a:r>
+              <a:rPr kumimoji="1" lang="en-US" altLang="ko-KR" dirty="0" err="1"/>
+              <a:t>static.html</a:t>
+            </a:r>
+            <a:r>
+              <a:rPr kumimoji="1" lang="ko-KR" altLang="en-US" dirty="0" err="1"/>
+              <a:t>라고</a:t>
+            </a:r>
+            <a:r>
+              <a:rPr kumimoji="1" lang="ko-KR" altLang="en-US" dirty="0"/>
+              <a:t> 처리되면</a:t>
+            </a:r>
+            <a:r>
+              <a:rPr kumimoji="1" lang="en-US" altLang="ko-KR" dirty="0"/>
+              <a:t>(localhost:8080/hello-</a:t>
+            </a:r>
+            <a:r>
+              <a:rPr kumimoji="1" lang="en-US" altLang="ko-KR" dirty="0" err="1"/>
+              <a:t>static.html</a:t>
+            </a:r>
+            <a:r>
+              <a:rPr kumimoji="1" lang="en-US" altLang="ko-KR" dirty="0"/>
+              <a:t>)</a:t>
+            </a:r>
+            <a:r>
+              <a:rPr kumimoji="1" lang="ko-KR" altLang="en-US" dirty="0"/>
+              <a:t> </a:t>
+            </a:r>
+            <a:endParaRPr kumimoji="1" lang="en-US" altLang="ko-KR" dirty="0"/>
+          </a:p>
+          <a:p>
+            <a:pPr marL="228600" indent="-228600">
+              <a:buAutoNum type="arabicPeriod"/>
+            </a:pPr>
+            <a:r>
+              <a:rPr kumimoji="1" lang="ko-Kore-KR" altLang="en-US" dirty="0"/>
+              <a:t>내장된</a:t>
+            </a:r>
+            <a:r>
+              <a:rPr kumimoji="1" lang="ko-KR" altLang="en-US" dirty="0"/>
+              <a:t> </a:t>
+            </a:r>
+            <a:r>
+              <a:rPr kumimoji="1" lang="ko-KR" altLang="en-US" dirty="0" err="1"/>
+              <a:t>톰캣</a:t>
+            </a:r>
+            <a:r>
+              <a:rPr kumimoji="1" lang="ko-KR" altLang="en-US" dirty="0"/>
+              <a:t> 서버에서 </a:t>
+            </a:r>
+            <a:r>
+              <a:rPr kumimoji="1" lang="en-US" altLang="ko-KR" dirty="0" err="1"/>
+              <a:t>url</a:t>
+            </a:r>
+            <a:r>
+              <a:rPr kumimoji="1" lang="ko-KR" altLang="en-US" dirty="0"/>
+              <a:t> 주소를 받아서 </a:t>
+            </a:r>
+            <a:r>
+              <a:rPr kumimoji="1" lang="en-US" altLang="ko-KR" dirty="0"/>
+              <a:t>spring</a:t>
+            </a:r>
+            <a:r>
+              <a:rPr kumimoji="1" lang="ko-KR" altLang="en-US" dirty="0"/>
+              <a:t>에게 물어봄</a:t>
+            </a:r>
+            <a:endParaRPr kumimoji="1" lang="en-US" altLang="ko-KR" dirty="0"/>
+          </a:p>
+          <a:p>
+            <a:pPr marL="228600" indent="-228600">
+              <a:buAutoNum type="arabicPeriod"/>
+            </a:pPr>
+            <a:r>
+              <a:rPr kumimoji="1" lang="en-US" altLang="ko-KR" dirty="0"/>
+              <a:t>spring</a:t>
+            </a:r>
+            <a:r>
+              <a:rPr kumimoji="1" lang="ko-KR" altLang="en-US" dirty="0"/>
+              <a:t>이 </a:t>
+            </a:r>
+            <a:r>
+              <a:rPr kumimoji="1" lang="en-US" altLang="ko-KR" dirty="0"/>
+              <a:t>hello-static</a:t>
+            </a:r>
+            <a:r>
+              <a:rPr kumimoji="1" lang="ko-KR" altLang="en-US" dirty="0"/>
+              <a:t>이라는 </a:t>
+            </a:r>
+            <a:r>
+              <a:rPr kumimoji="1" lang="en-US" altLang="ko-KR" dirty="0"/>
+              <a:t>controller</a:t>
+            </a:r>
+            <a:r>
+              <a:rPr kumimoji="1" lang="ko-KR" altLang="en-US" dirty="0"/>
+              <a:t>가 있는지 찾아봄</a:t>
+            </a:r>
+            <a:endParaRPr kumimoji="1" lang="en-US" altLang="ko-KR" dirty="0"/>
+          </a:p>
+          <a:p>
+            <a:pPr marL="228600" indent="-228600">
+              <a:buAutoNum type="arabicPeriod"/>
+            </a:pPr>
+            <a:r>
+              <a:rPr kumimoji="1" lang="en-US" altLang="ko-KR" dirty="0"/>
+              <a:t>hello-static</a:t>
+            </a:r>
+            <a:r>
+              <a:rPr kumimoji="1" lang="ko-KR" altLang="en-US" dirty="0"/>
+              <a:t>이라는 </a:t>
+            </a:r>
+            <a:r>
+              <a:rPr kumimoji="1" lang="en-US" altLang="ko-KR" dirty="0"/>
+              <a:t>controller</a:t>
+            </a:r>
+            <a:r>
+              <a:rPr kumimoji="1" lang="ko-KR" altLang="en-US" dirty="0"/>
+              <a:t>가 없으므로 </a:t>
+            </a:r>
+            <a:r>
+              <a:rPr kumimoji="1" lang="en-US" altLang="ko-KR" dirty="0"/>
+              <a:t>resources</a:t>
+            </a:r>
+            <a:r>
+              <a:rPr kumimoji="1" lang="ko-KR" altLang="en-US" dirty="0"/>
+              <a:t>에서 </a:t>
+            </a:r>
+            <a:r>
+              <a:rPr kumimoji="1" lang="en-US" altLang="ko-KR" dirty="0"/>
+              <a:t>hello-</a:t>
+            </a:r>
+            <a:r>
+              <a:rPr kumimoji="1" lang="en-US" altLang="ko-KR" dirty="0" err="1"/>
+              <a:t>static.html</a:t>
+            </a:r>
+            <a:r>
+              <a:rPr kumimoji="1" lang="ko-KR" altLang="en-US" dirty="0"/>
+              <a:t>을 찾음 </a:t>
+            </a:r>
+            <a:endParaRPr kumimoji="1" lang="en-US" altLang="ko-KR" dirty="0"/>
+          </a:p>
+          <a:p>
+            <a:pPr marL="228600" indent="-228600">
+              <a:buAutoNum type="arabicPeriod"/>
+            </a:pPr>
+            <a:r>
+              <a:rPr kumimoji="1" lang="en-US" altLang="ko-KR" dirty="0"/>
+              <a:t>resources</a:t>
+            </a:r>
+            <a:r>
+              <a:rPr kumimoji="1" lang="ko-KR" altLang="en-US" dirty="0"/>
+              <a:t>에 있으므로 </a:t>
+            </a:r>
+            <a:r>
+              <a:rPr kumimoji="1" lang="en-US" altLang="ko-KR" dirty="0"/>
+              <a:t>html </a:t>
+            </a:r>
+            <a:r>
+              <a:rPr kumimoji="1" lang="ko-KR" altLang="en-US" dirty="0"/>
+              <a:t>그대로 </a:t>
+            </a:r>
+            <a:r>
+              <a:rPr kumimoji="1" lang="en-US" altLang="ko-KR" dirty="0"/>
+              <a:t>web</a:t>
+            </a:r>
+            <a:r>
+              <a:rPr kumimoji="1" lang="ko-KR" altLang="en-US"/>
+              <a:t>에 반환</a:t>
+            </a:r>
+            <a:endParaRPr kumimoji="1" lang="en-US" altLang="ko-KR" dirty="0"/>
+          </a:p>
+        </p:txBody>
+      </p:sp>
+      <p:sp>
+        <p:nvSpPr>
+          <p:cNvPr id="4" name="슬라이드 번호 개체 틀 3"/>
+          <p:cNvSpPr>
+            <a:spLocks noGrp="1"/>
+          </p:cNvSpPr>
+          <p:nvPr>
+            <p:ph type="sldNum" sz="quarter" idx="5"/>
+          </p:nvPr>
+        </p:nvSpPr>
+        <p:spPr/>
+        <p:txBody>
+          <a:bodyPr/>
+          <a:lstStyle/>
+          <a:p>
+            <a:fld id="{394BA1C1-978B-FD4E-A13F-EC550D63E31B}" type="slidenum">
+              <a:rPr kumimoji="1" lang="ko-Kore-KR" altLang="en-US" smtClean="0"/>
+              <a:t>2</a:t>
+            </a:fld>
+            <a:endParaRPr kumimoji="1" lang="ko-Kore-KR" altLang="en-US"/>
+          </a:p>
+        </p:txBody>
+      </p:sp>
+    </p:spTree>
+    <p:extLst>
+      <p:ext uri="{BB962C8B-B14F-4D97-AF65-F5344CB8AC3E}">
+        <p14:creationId xmlns:p14="http://schemas.microsoft.com/office/powerpoint/2010/main" val="3242754861"/>
+      </p:ext>
+    </p:extLst>
+  </p:cSld>
+  <p:clrMapOvr>
+    <a:masterClrMapping/>
+  </p:clrMapOvr>
+</p:notes>
+</file>
+
+<file path=ppt/notesSlides/notesSlide3.xml><?xml version="1.0" encoding="utf-8"?>
+<p:notes xmlns:a="http://schemas.openxmlformats.org/drawingml/2006/main" xmlns:r="http://schemas.openxmlformats.org/officeDocument/2006/relationships" xmlns:p="http://schemas.openxmlformats.org/presentationml/2006/main">
+  <p:cSld>
+    <p:spTree>
+      <p:nvGrpSpPr>
+        <p:cNvPr id="1" name=""/>
+        <p:cNvGrpSpPr/>
+        <p:nvPr/>
+      </p:nvGrpSpPr>
+      <p:grpSpPr>
+        <a:xfrm>
+          <a:off x="0" y="0"/>
+          <a:ext cx="0" cy="0"/>
+          <a:chOff x="0" y="0"/>
+          <a:chExt cx="0" cy="0"/>
+        </a:xfrm>
+      </p:grpSpPr>
+      <p:sp>
+        <p:nvSpPr>
+          <p:cNvPr id="2" name="슬라이드 이미지 개체 틀 1"/>
+          <p:cNvSpPr>
+            <a:spLocks noGrp="1" noRot="1" noChangeAspect="1"/>
+          </p:cNvSpPr>
+          <p:nvPr>
+            <p:ph type="sldImg"/>
+          </p:nvPr>
+        </p:nvSpPr>
+        <p:spPr/>
+      </p:sp>
+      <p:sp>
+        <p:nvSpPr>
+          <p:cNvPr id="3" name="슬라이드 노트 개체 틀 2"/>
+          <p:cNvSpPr>
+            <a:spLocks noGrp="1"/>
+          </p:cNvSpPr>
+          <p:nvPr>
+            <p:ph type="body" idx="1"/>
+          </p:nvPr>
+        </p:nvSpPr>
+        <p:spPr/>
+        <p:txBody>
+          <a:bodyPr/>
+          <a:lstStyle/>
+          <a:p>
+            <a:pPr marL="228600" indent="-228600">
+              <a:buAutoNum type="arabicPeriod"/>
+            </a:pPr>
+            <a:r>
+              <a:rPr kumimoji="1" lang="en-US" altLang="ko-Kore-KR" dirty="0"/>
+              <a:t>web</a:t>
+            </a:r>
+            <a:r>
+              <a:rPr kumimoji="1" lang="ko-Kore-KR" altLang="en-US" dirty="0"/>
+              <a:t>에서</a:t>
+            </a:r>
+            <a:r>
+              <a:rPr kumimoji="1" lang="en-US" altLang="ko-Kore-KR" dirty="0"/>
+              <a:t> </a:t>
+            </a:r>
+            <a:r>
+              <a:rPr kumimoji="1" lang="en-US" altLang="ko-KR" dirty="0"/>
+              <a:t>/hello-</a:t>
+            </a:r>
+            <a:r>
+              <a:rPr kumimoji="1" lang="en-US" altLang="ko-KR" dirty="0" err="1"/>
+              <a:t>mvc</a:t>
+            </a:r>
+            <a:r>
+              <a:rPr kumimoji="1" lang="ko-KR" altLang="en-US" dirty="0" err="1"/>
+              <a:t>라고</a:t>
+            </a:r>
+            <a:r>
+              <a:rPr kumimoji="1" lang="ko-KR" altLang="en-US" dirty="0"/>
+              <a:t> 처리되면</a:t>
+            </a:r>
+            <a:r>
+              <a:rPr kumimoji="1" lang="en-US" altLang="ko-KR" dirty="0"/>
+              <a:t>(localhost:8080/hello-</a:t>
+            </a:r>
+            <a:r>
+              <a:rPr kumimoji="1" lang="en-US" altLang="ko-KR" dirty="0" err="1"/>
+              <a:t>mvc</a:t>
+            </a:r>
+            <a:r>
+              <a:rPr kumimoji="1" lang="en-US" altLang="ko-KR" dirty="0"/>
+              <a:t>)</a:t>
+            </a:r>
+            <a:r>
+              <a:rPr kumimoji="1" lang="ko-KR" altLang="en-US" dirty="0"/>
+              <a:t> </a:t>
+            </a:r>
+            <a:r>
+              <a:rPr kumimoji="1" lang="en-US" altLang="ko-KR" dirty="0" err="1"/>
+              <a:t>GetMapping</a:t>
+            </a:r>
+            <a:r>
+              <a:rPr kumimoji="1" lang="en-US" altLang="ko-KR" dirty="0"/>
+              <a:t>(‘hello-</a:t>
+            </a:r>
+            <a:r>
+              <a:rPr kumimoji="1" lang="en-US" altLang="ko-KR" dirty="0" err="1"/>
+              <a:t>mvc</a:t>
+            </a:r>
+            <a:r>
+              <a:rPr kumimoji="1" lang="en-US" altLang="ko-KR" dirty="0"/>
+              <a:t>’) </a:t>
+            </a:r>
+            <a:r>
+              <a:rPr kumimoji="1" lang="ko-KR" altLang="en-US" dirty="0"/>
+              <a:t>메서드 호출</a:t>
+            </a:r>
+            <a:endParaRPr kumimoji="1" lang="en-US" altLang="ko-KR" dirty="0"/>
+          </a:p>
+          <a:p>
+            <a:pPr marL="228600" indent="-228600">
+              <a:buAutoNum type="arabicPeriod"/>
+            </a:pPr>
+            <a:r>
+              <a:rPr kumimoji="1" lang="ko-Kore-KR" altLang="en-US" dirty="0"/>
+              <a:t>내장된</a:t>
+            </a:r>
+            <a:r>
+              <a:rPr kumimoji="1" lang="ko-KR" altLang="en-US" dirty="0"/>
+              <a:t> </a:t>
+            </a:r>
+            <a:r>
+              <a:rPr kumimoji="1" lang="ko-KR" altLang="en-US" dirty="0" err="1"/>
+              <a:t>톰캣</a:t>
+            </a:r>
+            <a:r>
+              <a:rPr kumimoji="1" lang="ko-KR" altLang="en-US" dirty="0"/>
+              <a:t> 서버에서 </a:t>
+            </a:r>
+            <a:r>
+              <a:rPr kumimoji="1" lang="en-US" altLang="ko-KR" dirty="0" err="1"/>
+              <a:t>url</a:t>
+            </a:r>
+            <a:r>
+              <a:rPr kumimoji="1" lang="ko-KR" altLang="en-US" dirty="0"/>
+              <a:t> 주소를 받아서 </a:t>
+            </a:r>
+            <a:r>
+              <a:rPr kumimoji="1" lang="en-US" altLang="ko-KR" dirty="0"/>
+              <a:t>spring</a:t>
+            </a:r>
+            <a:r>
+              <a:rPr kumimoji="1" lang="ko-KR" altLang="en-US" dirty="0"/>
+              <a:t>에게 물어봄</a:t>
+            </a:r>
+            <a:endParaRPr kumimoji="1" lang="en-US" altLang="ko-KR" dirty="0"/>
+          </a:p>
+          <a:p>
+            <a:pPr marL="228600" indent="-228600">
+              <a:buAutoNum type="arabicPeriod"/>
+            </a:pPr>
+            <a:r>
+              <a:rPr kumimoji="1" lang="en-US" altLang="ko-KR" dirty="0" err="1"/>
+              <a:t>helloController</a:t>
+            </a:r>
+            <a:r>
+              <a:rPr kumimoji="1" lang="ko-KR" altLang="en-US" dirty="0"/>
+              <a:t>에 </a:t>
+            </a:r>
+            <a:r>
+              <a:rPr kumimoji="1" lang="en-US" altLang="ko-KR" dirty="0"/>
+              <a:t>hello-</a:t>
+            </a:r>
+            <a:r>
+              <a:rPr kumimoji="1" lang="en-US" altLang="ko-KR" dirty="0" err="1"/>
+              <a:t>mvc</a:t>
+            </a:r>
+            <a:r>
+              <a:rPr kumimoji="1" lang="ko-KR" altLang="en-US" dirty="0"/>
+              <a:t>라는 것이 </a:t>
+            </a:r>
+            <a:r>
+              <a:rPr kumimoji="1" lang="en-US" altLang="ko-KR" dirty="0"/>
+              <a:t>mapping(</a:t>
+            </a:r>
+            <a:r>
+              <a:rPr kumimoji="1" lang="en-US" altLang="ko-KR" dirty="0" err="1"/>
+              <a:t>GetMapping</a:t>
+            </a:r>
+            <a:r>
+              <a:rPr kumimoji="1" lang="en-US" altLang="ko-KR" dirty="0"/>
+              <a:t>)</a:t>
+            </a:r>
+            <a:r>
+              <a:rPr kumimoji="1" lang="ko-KR" altLang="en-US" dirty="0"/>
+              <a:t>되어 있으므로</a:t>
+            </a:r>
+            <a:r>
+              <a:rPr kumimoji="1" lang="en-US" altLang="ko-KR" dirty="0"/>
+              <a:t>,</a:t>
+            </a:r>
+            <a:r>
+              <a:rPr kumimoji="1" lang="ko-KR" altLang="en-US" dirty="0"/>
+              <a:t> 그 메서드 호출</a:t>
+            </a:r>
+            <a:endParaRPr kumimoji="1" lang="en-US" altLang="ko-KR" dirty="0"/>
+          </a:p>
+          <a:p>
+            <a:pPr marL="228600" indent="-228600">
+              <a:buAutoNum type="arabicPeriod"/>
+            </a:pPr>
+            <a:r>
+              <a:rPr kumimoji="1" lang="en-US" altLang="ko-KR" dirty="0"/>
+              <a:t>http </a:t>
+            </a:r>
+            <a:r>
+              <a:rPr kumimoji="1" lang="ko-KR" altLang="en-US" dirty="0"/>
+              <a:t>통신에서 </a:t>
+            </a:r>
+            <a:r>
+              <a:rPr kumimoji="1" lang="en-US" altLang="ko-KR" dirty="0" err="1"/>
+              <a:t>GetMapping</a:t>
+            </a:r>
+            <a:r>
+              <a:rPr kumimoji="1" lang="ko-KR" altLang="en-US" dirty="0"/>
+              <a:t>은 </a:t>
+            </a:r>
+            <a:r>
+              <a:rPr kumimoji="1" lang="en-US" altLang="ko-KR" dirty="0"/>
+              <a:t>Get </a:t>
+            </a:r>
+            <a:r>
+              <a:rPr kumimoji="1" lang="ko-KR" altLang="en-US" dirty="0"/>
+              <a:t>역할을 함</a:t>
+            </a:r>
+            <a:r>
+              <a:rPr kumimoji="1" lang="en-US" altLang="ko-KR" dirty="0"/>
+              <a:t>,</a:t>
+            </a:r>
+            <a:r>
+              <a:rPr kumimoji="1" lang="ko-KR" altLang="en-US" dirty="0"/>
+              <a:t> 이를 통해 </a:t>
+            </a:r>
+            <a:r>
+              <a:rPr kumimoji="1" lang="en-US" altLang="ko-KR" dirty="0" err="1"/>
+              <a:t>GetMapping</a:t>
+            </a:r>
+            <a:r>
+              <a:rPr kumimoji="1" lang="en-US" altLang="ko-KR" dirty="0"/>
+              <a:t>(‘hello-</a:t>
+            </a:r>
+            <a:r>
+              <a:rPr kumimoji="1" lang="en-US" altLang="ko-KR" dirty="0" err="1"/>
+              <a:t>mvc</a:t>
+            </a:r>
+            <a:r>
+              <a:rPr kumimoji="1" lang="en-US" altLang="ko-KR" dirty="0"/>
+              <a:t>’)</a:t>
+            </a:r>
+            <a:r>
+              <a:rPr kumimoji="1" lang="ko-KR" altLang="en-US" dirty="0"/>
+              <a:t>로 </a:t>
+            </a:r>
+            <a:r>
+              <a:rPr kumimoji="1" lang="en-US" altLang="ko-KR" dirty="0" err="1"/>
+              <a:t>url</a:t>
+            </a:r>
+            <a:r>
+              <a:rPr kumimoji="1" lang="en-US" altLang="ko-KR" dirty="0"/>
+              <a:t> </a:t>
+            </a:r>
+            <a:r>
+              <a:rPr kumimoji="1" lang="ko-KR" altLang="en-US" dirty="0"/>
+              <a:t>매치</a:t>
+            </a:r>
+            <a:endParaRPr kumimoji="1" lang="en-US" altLang="ko-KR" dirty="0"/>
+          </a:p>
+          <a:p>
+            <a:pPr marL="228600" indent="-228600">
+              <a:buAutoNum type="arabicPeriod"/>
+            </a:pPr>
+            <a:r>
+              <a:rPr kumimoji="1" lang="en-US" altLang="ko-KR" dirty="0"/>
+              <a:t>controller</a:t>
+            </a:r>
+            <a:r>
+              <a:rPr kumimoji="1" lang="ko-KR" altLang="en-US" dirty="0"/>
+              <a:t>의</a:t>
+            </a:r>
+            <a:r>
+              <a:rPr kumimoji="1" lang="en-US" altLang="ko-KR" dirty="0"/>
+              <a:t> </a:t>
+            </a:r>
+            <a:r>
+              <a:rPr kumimoji="1" lang="en-US" altLang="ko-KR" dirty="0" err="1"/>
+              <a:t>GetMapping</a:t>
+            </a:r>
+            <a:r>
+              <a:rPr kumimoji="1" lang="en-US" altLang="ko-KR" dirty="0"/>
+              <a:t> </a:t>
+            </a:r>
+            <a:r>
+              <a:rPr kumimoji="1" lang="ko-KR" altLang="en-US" dirty="0"/>
+              <a:t>메서드에서</a:t>
+            </a:r>
+            <a:r>
+              <a:rPr kumimoji="1" lang="en-US" altLang="ko-KR" dirty="0"/>
+              <a:t>,</a:t>
+            </a:r>
+            <a:r>
+              <a:rPr kumimoji="1" lang="ko-KR" altLang="en-US" dirty="0"/>
+              <a:t> </a:t>
+            </a:r>
+            <a:r>
+              <a:rPr kumimoji="1" lang="en-US" altLang="ko-KR" dirty="0"/>
+              <a:t>model</a:t>
+            </a:r>
+            <a:r>
+              <a:rPr kumimoji="1" lang="ko-KR" altLang="en-US" dirty="0"/>
+              <a:t>에 </a:t>
+            </a:r>
+            <a:r>
+              <a:rPr kumimoji="1" lang="en-US" altLang="ko-KR" dirty="0"/>
+              <a:t>key: ”name”, value: name</a:t>
+            </a:r>
+            <a:r>
+              <a:rPr kumimoji="1" lang="ko-KR" altLang="en-US" dirty="0"/>
+              <a:t> 매개변수로 추가</a:t>
+            </a:r>
+            <a:endParaRPr kumimoji="1" lang="en-US" altLang="ko-KR" dirty="0"/>
+          </a:p>
+          <a:p>
+            <a:pPr marL="228600" indent="-228600">
+              <a:buAutoNum type="arabicPeriod"/>
+            </a:pPr>
+            <a:r>
+              <a:rPr kumimoji="1" lang="en-US" altLang="ko-KR" dirty="0"/>
+              <a:t>controller</a:t>
+            </a:r>
+            <a:r>
+              <a:rPr kumimoji="1" lang="ko-KR" altLang="en-US" dirty="0"/>
+              <a:t>의 </a:t>
+            </a:r>
+            <a:r>
+              <a:rPr kumimoji="1" lang="en-US" altLang="ko-KR" dirty="0" err="1"/>
+              <a:t>GetMapping</a:t>
+            </a:r>
+            <a:r>
+              <a:rPr kumimoji="1" lang="en-US" altLang="ko-KR" dirty="0"/>
+              <a:t> </a:t>
+            </a:r>
+            <a:r>
+              <a:rPr kumimoji="1" lang="ko-KR" altLang="en-US" dirty="0"/>
+              <a:t>메서드에서</a:t>
+            </a:r>
+            <a:r>
+              <a:rPr kumimoji="1" lang="en-US" altLang="ko-KR" dirty="0"/>
+              <a:t>,</a:t>
+            </a:r>
+            <a:r>
+              <a:rPr kumimoji="1" lang="ko-KR" altLang="en-US" dirty="0"/>
+              <a:t> </a:t>
+            </a:r>
+            <a:r>
+              <a:rPr kumimoji="1" lang="en-US" altLang="ko-KR" dirty="0"/>
+              <a:t>return </a:t>
+            </a:r>
+            <a:r>
+              <a:rPr kumimoji="1" lang="ko-KR" altLang="en-US" dirty="0"/>
+              <a:t>문자열 값은 </a:t>
+            </a:r>
+            <a:r>
+              <a:rPr kumimoji="1" lang="en-US" altLang="ko-KR" dirty="0"/>
+              <a:t>resources -&gt; templates -&gt; </a:t>
+            </a:r>
+            <a:r>
+              <a:rPr kumimoji="1" lang="ko-KR" altLang="en-US" dirty="0"/>
+              <a:t>해당 문자열과 일치하는 파일 호출</a:t>
+            </a:r>
+            <a:endParaRPr kumimoji="1" lang="en-US" altLang="ko-KR" dirty="0"/>
+          </a:p>
+          <a:p>
+            <a:pPr marL="228600" indent="-228600">
+              <a:buAutoNum type="arabicPeriod"/>
+            </a:pPr>
+            <a:r>
+              <a:rPr kumimoji="1" lang="ko-KR" altLang="en-US" dirty="0"/>
+              <a:t>이는</a:t>
+            </a:r>
+            <a:r>
+              <a:rPr kumimoji="1" lang="en-US" altLang="ko-KR" dirty="0"/>
+              <a:t>,</a:t>
+            </a:r>
+            <a:r>
+              <a:rPr kumimoji="1" lang="ko-KR" altLang="en-US" dirty="0"/>
+              <a:t> </a:t>
+            </a:r>
+            <a:r>
+              <a:rPr kumimoji="1" lang="en-US" altLang="ko-KR" dirty="0"/>
+              <a:t>data</a:t>
+            </a:r>
+            <a:r>
+              <a:rPr kumimoji="1" lang="ko-KR" altLang="en-US" dirty="0" err="1"/>
+              <a:t>를</a:t>
+            </a:r>
+            <a:r>
+              <a:rPr kumimoji="1" lang="ko-KR" altLang="en-US" dirty="0"/>
+              <a:t> </a:t>
+            </a:r>
+            <a:r>
+              <a:rPr kumimoji="1" lang="en-US" altLang="ko-KR" dirty="0"/>
+              <a:t>model</a:t>
+            </a:r>
+            <a:r>
+              <a:rPr kumimoji="1" lang="ko-KR" altLang="en-US" dirty="0"/>
+              <a:t>에 담아</a:t>
+            </a:r>
+            <a:r>
+              <a:rPr kumimoji="1" lang="en-US" altLang="ko-KR" dirty="0"/>
+              <a:t>,</a:t>
+            </a:r>
+            <a:r>
+              <a:rPr kumimoji="1" lang="ko-KR" altLang="en-US" dirty="0"/>
+              <a:t> </a:t>
+            </a:r>
+            <a:r>
+              <a:rPr kumimoji="1" lang="en-US" altLang="ko-KR" dirty="0"/>
+              <a:t>hello-</a:t>
+            </a:r>
+            <a:r>
+              <a:rPr kumimoji="1" lang="en-US" altLang="ko-KR" dirty="0" err="1"/>
+              <a:t>template.html</a:t>
+            </a:r>
+            <a:r>
+              <a:rPr kumimoji="1" lang="en-US" altLang="ko-KR" dirty="0"/>
+              <a:t> </a:t>
+            </a:r>
+            <a:r>
+              <a:rPr kumimoji="1" lang="ko-KR" altLang="en-US" dirty="0"/>
+              <a:t>화면을 렌더링 하는 과정이다</a:t>
+            </a:r>
+            <a:r>
+              <a:rPr kumimoji="1" lang="en-US" altLang="ko-KR" dirty="0"/>
+              <a:t>.</a:t>
+            </a:r>
+          </a:p>
+          <a:p>
+            <a:pPr marL="228600" indent="-228600">
+              <a:buAutoNum type="arabicPeriod"/>
+            </a:pPr>
+            <a:r>
+              <a:rPr kumimoji="1" lang="en-US" altLang="ko-KR" dirty="0"/>
+              <a:t>(controller</a:t>
+            </a:r>
+            <a:r>
+              <a:rPr kumimoji="1" lang="ko-KR" altLang="en-US" dirty="0"/>
+              <a:t>에서 반환 값으로 문자열을 반환하면 뷰 </a:t>
+            </a:r>
+            <a:r>
+              <a:rPr kumimoji="1" lang="ko-KR" altLang="en-US" dirty="0" err="1"/>
+              <a:t>리졸버가</a:t>
+            </a:r>
+            <a:r>
+              <a:rPr kumimoji="1" lang="ko-KR" altLang="en-US" dirty="0"/>
+              <a:t> 화면을 찾아서 처리</a:t>
+            </a:r>
+            <a:r>
+              <a:rPr kumimoji="1" lang="en-US" altLang="ko-KR" dirty="0"/>
+              <a:t>)</a:t>
+            </a:r>
+          </a:p>
+          <a:p>
+            <a:pPr marL="228600" indent="-228600">
+              <a:buAutoNum type="arabicPeriod"/>
+            </a:pPr>
+            <a:r>
+              <a:rPr kumimoji="1" lang="en-US" altLang="ko-KR" dirty="0"/>
+              <a:t>(</a:t>
+            </a:r>
+            <a:r>
+              <a:rPr kumimoji="1" lang="ko-KR" altLang="en-US" dirty="0"/>
+              <a:t>스프링 부트 템플릿 엔진 기본 </a:t>
+            </a:r>
+            <a:r>
+              <a:rPr kumimoji="1" lang="en-US" altLang="ko-KR" dirty="0" err="1"/>
+              <a:t>viewName</a:t>
+            </a:r>
+            <a:r>
+              <a:rPr kumimoji="1" lang="en-US" altLang="ko-KR" dirty="0"/>
+              <a:t> </a:t>
+            </a:r>
+            <a:r>
+              <a:rPr kumimoji="1" lang="ko-KR" altLang="en-US" dirty="0"/>
+              <a:t>매핑 방법</a:t>
+            </a:r>
+            <a:r>
+              <a:rPr kumimoji="1" lang="en-US" altLang="ko-KR" dirty="0"/>
+              <a:t>:</a:t>
+            </a:r>
+            <a:r>
+              <a:rPr kumimoji="1" lang="ko-KR" altLang="en-US" dirty="0"/>
+              <a:t> </a:t>
+            </a:r>
+            <a:r>
+              <a:rPr kumimoji="1" lang="en-US" altLang="ko-KR" dirty="0"/>
+              <a:t>‘</a:t>
+            </a:r>
+            <a:r>
+              <a:rPr kumimoji="1" lang="en-US" altLang="ko-KR" dirty="0" err="1"/>
+              <a:t>resources:templates</a:t>
+            </a:r>
+            <a:r>
+              <a:rPr kumimoji="1" lang="en-US" altLang="ko-KR" dirty="0"/>
+              <a:t>’/+(</a:t>
+            </a:r>
+            <a:r>
+              <a:rPr kumimoji="1" lang="en-US" altLang="ko-KR" dirty="0" err="1"/>
+              <a:t>ViewName</a:t>
+            </a:r>
+            <a:r>
+              <a:rPr kumimoji="1" lang="en-US" altLang="ko-KR" dirty="0"/>
+              <a:t>)+’.html’</a:t>
+            </a:r>
+            <a:r>
+              <a:rPr kumimoji="1" lang="ko-KR" altLang="en-US" dirty="0"/>
+              <a:t> 방식으로 뷰 </a:t>
+            </a:r>
+            <a:r>
+              <a:rPr kumimoji="1" lang="ko-KR" altLang="en-US" dirty="0" err="1"/>
+              <a:t>리졸버가</a:t>
+            </a:r>
+            <a:r>
+              <a:rPr kumimoji="1" lang="ko-KR" altLang="en-US" dirty="0"/>
+              <a:t> </a:t>
+            </a:r>
+            <a:r>
+              <a:rPr kumimoji="1" lang="en-US" altLang="ko-KR" dirty="0"/>
+              <a:t>html</a:t>
+            </a:r>
+            <a:r>
+              <a:rPr kumimoji="1" lang="ko-KR" altLang="en-US" dirty="0"/>
+              <a:t> 파일을 찾아 렌더링한다는 것</a:t>
+            </a:r>
+            <a:r>
+              <a:rPr kumimoji="1" lang="en-US" altLang="ko-KR" dirty="0"/>
+              <a:t>!)</a:t>
+            </a:r>
+          </a:p>
+          <a:p>
+            <a:pPr marL="228600" indent="-228600">
+              <a:buAutoNum type="arabicPeriod"/>
+            </a:pPr>
+            <a:r>
+              <a:rPr kumimoji="1" lang="en-US" altLang="ko-KR" dirty="0"/>
+              <a:t>hello-</a:t>
+            </a:r>
+            <a:r>
+              <a:rPr kumimoji="1" lang="en-US" altLang="ko-KR" dirty="0" err="1"/>
+              <a:t>template.html</a:t>
+            </a:r>
+            <a:r>
+              <a:rPr kumimoji="1" lang="en-US" altLang="ko-KR" dirty="0"/>
+              <a:t> </a:t>
+            </a:r>
+            <a:r>
+              <a:rPr kumimoji="1" lang="ko-KR" altLang="en-US" dirty="0"/>
+              <a:t>파일에서 </a:t>
+            </a:r>
+            <a:r>
+              <a:rPr kumimoji="1" lang="en-US" altLang="ko-KR" dirty="0"/>
+              <a:t>${name}</a:t>
+            </a:r>
+            <a:r>
+              <a:rPr kumimoji="1" lang="ko-KR" altLang="en-US" dirty="0"/>
+              <a:t>에 </a:t>
+            </a:r>
+            <a:r>
+              <a:rPr kumimoji="1" lang="en-US" altLang="ko-KR" dirty="0"/>
+              <a:t>model</a:t>
+            </a:r>
+            <a:r>
+              <a:rPr kumimoji="1" lang="ko-KR" altLang="en-US" dirty="0"/>
+              <a:t>의 </a:t>
+            </a:r>
+            <a:r>
+              <a:rPr kumimoji="1" lang="en-US" altLang="ko-KR" dirty="0"/>
+              <a:t>key</a:t>
+            </a:r>
+            <a:r>
+              <a:rPr kumimoji="1" lang="ko-KR" altLang="en-US" dirty="0"/>
+              <a:t>값이 </a:t>
+            </a:r>
+            <a:r>
+              <a:rPr kumimoji="1" lang="en-US" altLang="ko-KR" dirty="0"/>
+              <a:t>‘name’</a:t>
+            </a:r>
+            <a:r>
+              <a:rPr kumimoji="1" lang="ko-KR" altLang="en-US" dirty="0"/>
+              <a:t>이면</a:t>
+            </a:r>
+            <a:r>
+              <a:rPr kumimoji="1" lang="en-US" altLang="ko-KR" dirty="0"/>
+              <a:t>,</a:t>
+            </a:r>
+            <a:r>
+              <a:rPr kumimoji="1" lang="ko-KR" altLang="en-US" dirty="0"/>
+              <a:t> 그에 따르는</a:t>
+            </a:r>
+            <a:r>
+              <a:rPr kumimoji="1" lang="en-US" altLang="ko-KR" dirty="0"/>
+              <a:t> value</a:t>
+            </a:r>
+            <a:r>
+              <a:rPr kumimoji="1" lang="ko-KR" altLang="en-US" dirty="0"/>
+              <a:t> 값이 들어가게 된다</a:t>
+            </a:r>
+            <a:r>
+              <a:rPr kumimoji="1" lang="en-US" altLang="ko-KR" dirty="0"/>
+              <a:t>.</a:t>
+            </a:r>
+          </a:p>
+          <a:p>
+            <a:pPr marL="228600" indent="-228600">
+              <a:buAutoNum type="arabicPeriod"/>
+            </a:pPr>
+            <a:endParaRPr kumimoji="1" lang="en-US" altLang="ko-KR" dirty="0"/>
+          </a:p>
+        </p:txBody>
+      </p:sp>
+      <p:sp>
+        <p:nvSpPr>
+          <p:cNvPr id="4" name="슬라이드 번호 개체 틀 3"/>
+          <p:cNvSpPr>
+            <a:spLocks noGrp="1"/>
+          </p:cNvSpPr>
+          <p:nvPr>
+            <p:ph type="sldNum" sz="quarter" idx="5"/>
+          </p:nvPr>
+        </p:nvSpPr>
+        <p:spPr/>
+        <p:txBody>
+          <a:bodyPr/>
+          <a:lstStyle/>
+          <a:p>
+            <a:fld id="{394BA1C1-978B-FD4E-A13F-EC550D63E31B}" type="slidenum">
+              <a:rPr kumimoji="1" lang="ko-Kore-KR" altLang="en-US" smtClean="0"/>
+              <a:t>3</a:t>
+            </a:fld>
+            <a:endParaRPr kumimoji="1" lang="ko-Kore-KR" altLang="en-US"/>
+          </a:p>
+        </p:txBody>
+      </p:sp>
+    </p:spTree>
+    <p:extLst>
+      <p:ext uri="{BB962C8B-B14F-4D97-AF65-F5344CB8AC3E}">
+        <p14:creationId xmlns:p14="http://schemas.microsoft.com/office/powerpoint/2010/main" val="1024021625"/>
+      </p:ext>
+    </p:extLst>
+  </p:cSld>
+  <p:clrMapOvr>
+    <a:masterClrMapping/>
+  </p:clrMapOvr>
+</p:notes>
+</file>
+
 <file path=ppt/slideLayouts/slideLayout1.xml><?xml version="1.0" encoding="utf-8"?>
 <p:sldLayout xmlns:a="http://schemas.openxmlformats.org/drawingml/2006/main" xmlns:r="http://schemas.openxmlformats.org/officeDocument/2006/relationships" xmlns:p="http://schemas.openxmlformats.org/presentationml/2006/main" type="title" preserve="1">
   <p:cSld name="제목 슬라이드">
@@ -1183,7 +2120,7 @@
           <a:p>
             <a:fld id="{2A00FC8A-1ED9-6844-BD70-61F9641D2AFC}" type="datetimeFigureOut">
               <a:rPr kumimoji="1" lang="ko-Kore-KR" altLang="en-US" smtClean="0"/>
-              <a:t>2023. 8. 1.</a:t>
+              <a:t>2023. 8. 8.</a:t>
             </a:fld>
             <a:endParaRPr kumimoji="1" lang="ko-Kore-KR" altLang="en-US"/>
           </a:p>
@@ -1383,7 +2320,7 @@
           <a:p>
             <a:fld id="{2A00FC8A-1ED9-6844-BD70-61F9641D2AFC}" type="datetimeFigureOut">
               <a:rPr kumimoji="1" lang="ko-Kore-KR" altLang="en-US" smtClean="0"/>
-              <a:t>2023. 8. 1.</a:t>
+              <a:t>2023. 8. 8.</a:t>
             </a:fld>
             <a:endParaRPr kumimoji="1" lang="ko-Kore-KR" altLang="en-US"/>
           </a:p>
@@ -1593,7 +2530,7 @@
           <a:p>
             <a:fld id="{2A00FC8A-1ED9-6844-BD70-61F9641D2AFC}" type="datetimeFigureOut">
               <a:rPr kumimoji="1" lang="ko-Kore-KR" altLang="en-US" smtClean="0"/>
-              <a:t>2023. 8. 1.</a:t>
+              <a:t>2023. 8. 8.</a:t>
             </a:fld>
             <a:endParaRPr kumimoji="1" lang="ko-Kore-KR" altLang="en-US"/>
           </a:p>
@@ -1793,7 +2730,7 @@
           <a:p>
             <a:fld id="{2A00FC8A-1ED9-6844-BD70-61F9641D2AFC}" type="datetimeFigureOut">
               <a:rPr kumimoji="1" lang="ko-Kore-KR" altLang="en-US" smtClean="0"/>
-              <a:t>2023. 8. 1.</a:t>
+              <a:t>2023. 8. 8.</a:t>
             </a:fld>
             <a:endParaRPr kumimoji="1" lang="ko-Kore-KR" altLang="en-US"/>
           </a:p>
@@ -2069,7 +3006,7 @@
           <a:p>
             <a:fld id="{2A00FC8A-1ED9-6844-BD70-61F9641D2AFC}" type="datetimeFigureOut">
               <a:rPr kumimoji="1" lang="ko-Kore-KR" altLang="en-US" smtClean="0"/>
-              <a:t>2023. 8. 1.</a:t>
+              <a:t>2023. 8. 8.</a:t>
             </a:fld>
             <a:endParaRPr kumimoji="1" lang="ko-Kore-KR" altLang="en-US"/>
           </a:p>
@@ -2337,7 +3274,7 @@
           <a:p>
             <a:fld id="{2A00FC8A-1ED9-6844-BD70-61F9641D2AFC}" type="datetimeFigureOut">
               <a:rPr kumimoji="1" lang="ko-Kore-KR" altLang="en-US" smtClean="0"/>
-              <a:t>2023. 8. 1.</a:t>
+              <a:t>2023. 8. 8.</a:t>
             </a:fld>
             <a:endParaRPr kumimoji="1" lang="ko-Kore-KR" altLang="en-US"/>
           </a:p>
@@ -2752,7 +3689,7 @@
           <a:p>
             <a:fld id="{2A00FC8A-1ED9-6844-BD70-61F9641D2AFC}" type="datetimeFigureOut">
               <a:rPr kumimoji="1" lang="ko-Kore-KR" altLang="en-US" smtClean="0"/>
-              <a:t>2023. 8. 1.</a:t>
+              <a:t>2023. 8. 8.</a:t>
             </a:fld>
             <a:endParaRPr kumimoji="1" lang="ko-Kore-KR" altLang="en-US"/>
           </a:p>
@@ -2894,7 +3831,7 @@
           <a:p>
             <a:fld id="{2A00FC8A-1ED9-6844-BD70-61F9641D2AFC}" type="datetimeFigureOut">
               <a:rPr kumimoji="1" lang="ko-Kore-KR" altLang="en-US" smtClean="0"/>
-              <a:t>2023. 8. 1.</a:t>
+              <a:t>2023. 8. 8.</a:t>
             </a:fld>
             <a:endParaRPr kumimoji="1" lang="ko-Kore-KR" altLang="en-US"/>
           </a:p>
@@ -3007,7 +3944,7 @@
           <a:p>
             <a:fld id="{2A00FC8A-1ED9-6844-BD70-61F9641D2AFC}" type="datetimeFigureOut">
               <a:rPr kumimoji="1" lang="ko-Kore-KR" altLang="en-US" smtClean="0"/>
-              <a:t>2023. 8. 1.</a:t>
+              <a:t>2023. 8. 8.</a:t>
             </a:fld>
             <a:endParaRPr kumimoji="1" lang="ko-Kore-KR" altLang="en-US"/>
           </a:p>
@@ -3320,7 +4257,7 @@
           <a:p>
             <a:fld id="{2A00FC8A-1ED9-6844-BD70-61F9641D2AFC}" type="datetimeFigureOut">
               <a:rPr kumimoji="1" lang="ko-Kore-KR" altLang="en-US" smtClean="0"/>
-              <a:t>2023. 8. 1.</a:t>
+              <a:t>2023. 8. 8.</a:t>
             </a:fld>
             <a:endParaRPr kumimoji="1" lang="ko-Kore-KR" altLang="en-US"/>
           </a:p>
@@ -3609,7 +4546,7 @@
           <a:p>
             <a:fld id="{2A00FC8A-1ED9-6844-BD70-61F9641D2AFC}" type="datetimeFigureOut">
               <a:rPr kumimoji="1" lang="ko-Kore-KR" altLang="en-US" smtClean="0"/>
-              <a:t>2023. 8. 1.</a:t>
+              <a:t>2023. 8. 8.</a:t>
             </a:fld>
             <a:endParaRPr kumimoji="1" lang="ko-Kore-KR" altLang="en-US"/>
           </a:p>
@@ -3852,7 +4789,7 @@
           <a:p>
             <a:fld id="{2A00FC8A-1ED9-6844-BD70-61F9641D2AFC}" type="datetimeFigureOut">
               <a:rPr kumimoji="1" lang="ko-Kore-KR" altLang="en-US" smtClean="0"/>
-              <a:t>2023. 8. 1.</a:t>
+              <a:t>2023. 8. 8.</a:t>
             </a:fld>
             <a:endParaRPr kumimoji="1" lang="ko-Kore-KR" altLang="en-US"/>
           </a:p>
@@ -5205,6 +6142,1756 @@
     <p:extLst>
       <p:ext uri="{BB962C8B-B14F-4D97-AF65-F5344CB8AC3E}">
         <p14:creationId xmlns:p14="http://schemas.microsoft.com/office/powerpoint/2010/main" val="1346838401"/>
+      </p:ext>
+    </p:extLst>
+  </p:cSld>
+  <p:clrMapOvr>
+    <a:masterClrMapping/>
+  </p:clrMapOvr>
+</p:sld>
+</file>
+
+<file path=ppt/slides/slide2.xml><?xml version="1.0" encoding="utf-8"?>
+<p:sld xmlns:a="http://schemas.openxmlformats.org/drawingml/2006/main" xmlns:r="http://schemas.openxmlformats.org/officeDocument/2006/relationships" xmlns:p="http://schemas.openxmlformats.org/presentationml/2006/main">
+  <p:cSld>
+    <p:spTree>
+      <p:nvGrpSpPr>
+        <p:cNvPr id="1" name=""/>
+        <p:cNvGrpSpPr/>
+        <p:nvPr/>
+      </p:nvGrpSpPr>
+      <p:grpSpPr>
+        <a:xfrm>
+          <a:off x="0" y="0"/>
+          <a:ext cx="0" cy="0"/>
+          <a:chOff x="0" y="0"/>
+          <a:chExt cx="0" cy="0"/>
+        </a:xfrm>
+      </p:grpSpPr>
+      <p:sp>
+        <p:nvSpPr>
+          <p:cNvPr id="19" name="직사각형 18">
+            <a:extLst>
+              <a:ext uri="{FF2B5EF4-FFF2-40B4-BE49-F238E27FC236}">
+                <a16:creationId xmlns:a16="http://schemas.microsoft.com/office/drawing/2014/main" id="{C5854C86-B413-E19F-CB95-B9EA7FE249BA}"/>
+              </a:ext>
+            </a:extLst>
+          </p:cNvPr>
+          <p:cNvSpPr/>
+          <p:nvPr/>
+        </p:nvSpPr>
+        <p:spPr>
+          <a:xfrm>
+            <a:off x="5945425" y="1299879"/>
+            <a:ext cx="3718528" cy="4276168"/>
+          </a:xfrm>
+          <a:prstGeom prst="rect">
+            <a:avLst/>
+          </a:prstGeom>
+          <a:noFill/>
+        </p:spPr>
+        <p:style>
+          <a:lnRef idx="2">
+            <a:schemeClr val="accent1">
+              <a:shade val="50000"/>
+            </a:schemeClr>
+          </a:lnRef>
+          <a:fillRef idx="1">
+            <a:schemeClr val="accent1"/>
+          </a:fillRef>
+          <a:effectRef idx="0">
+            <a:schemeClr val="accent1"/>
+          </a:effectRef>
+          <a:fontRef idx="minor">
+            <a:schemeClr val="lt1"/>
+          </a:fontRef>
+        </p:style>
+        <p:txBody>
+          <a:bodyPr rtlCol="0" anchor="ctr"/>
+          <a:lstStyle/>
+          <a:p>
+            <a:pPr algn="ctr"/>
+            <a:endParaRPr kumimoji="1" lang="ko-Kore-KR" altLang="en-US"/>
+          </a:p>
+        </p:txBody>
+      </p:sp>
+      <p:sp>
+        <p:nvSpPr>
+          <p:cNvPr id="4" name="직사각형 3">
+            <a:extLst>
+              <a:ext uri="{FF2B5EF4-FFF2-40B4-BE49-F238E27FC236}">
+                <a16:creationId xmlns:a16="http://schemas.microsoft.com/office/drawing/2014/main" id="{6E277995-369C-D4B8-6E15-7E658C8CA921}"/>
+              </a:ext>
+            </a:extLst>
+          </p:cNvPr>
+          <p:cNvSpPr/>
+          <p:nvPr/>
+        </p:nvSpPr>
+        <p:spPr>
+          <a:xfrm>
+            <a:off x="1470212" y="753035"/>
+            <a:ext cx="8659906" cy="5199530"/>
+          </a:xfrm>
+          <a:prstGeom prst="rect">
+            <a:avLst/>
+          </a:prstGeom>
+          <a:noFill/>
+        </p:spPr>
+        <p:style>
+          <a:lnRef idx="2">
+            <a:schemeClr val="accent1">
+              <a:shade val="50000"/>
+            </a:schemeClr>
+          </a:lnRef>
+          <a:fillRef idx="1">
+            <a:schemeClr val="accent1"/>
+          </a:fillRef>
+          <a:effectRef idx="0">
+            <a:schemeClr val="accent1"/>
+          </a:effectRef>
+          <a:fontRef idx="minor">
+            <a:schemeClr val="lt1"/>
+          </a:fontRef>
+        </p:style>
+        <p:txBody>
+          <a:bodyPr rtlCol="0" anchor="ctr"/>
+          <a:lstStyle/>
+          <a:p>
+            <a:pPr algn="ctr"/>
+            <a:endParaRPr kumimoji="1" lang="ko-Kore-KR" altLang="en-US"/>
+          </a:p>
+        </p:txBody>
+      </p:sp>
+      <p:sp>
+        <p:nvSpPr>
+          <p:cNvPr id="5" name="직사각형 4">
+            <a:extLst>
+              <a:ext uri="{FF2B5EF4-FFF2-40B4-BE49-F238E27FC236}">
+                <a16:creationId xmlns:a16="http://schemas.microsoft.com/office/drawing/2014/main" id="{B0E5AE56-9DC3-4AEE-1C26-486CA439754C}"/>
+              </a:ext>
+            </a:extLst>
+          </p:cNvPr>
+          <p:cNvSpPr/>
+          <p:nvPr/>
+        </p:nvSpPr>
+        <p:spPr>
+          <a:xfrm>
+            <a:off x="1604683" y="2330823"/>
+            <a:ext cx="1598386" cy="2196353"/>
+          </a:xfrm>
+          <a:prstGeom prst="rect">
+            <a:avLst/>
+          </a:prstGeom>
+          <a:noFill/>
+        </p:spPr>
+        <p:style>
+          <a:lnRef idx="2">
+            <a:schemeClr val="accent1">
+              <a:shade val="50000"/>
+            </a:schemeClr>
+          </a:lnRef>
+          <a:fillRef idx="1">
+            <a:schemeClr val="accent1"/>
+          </a:fillRef>
+          <a:effectRef idx="0">
+            <a:schemeClr val="accent1"/>
+          </a:effectRef>
+          <a:fontRef idx="minor">
+            <a:schemeClr val="lt1"/>
+          </a:fontRef>
+        </p:style>
+        <p:txBody>
+          <a:bodyPr rtlCol="0" anchor="ctr"/>
+          <a:lstStyle/>
+          <a:p>
+            <a:pPr algn="ctr"/>
+            <a:endParaRPr kumimoji="1" lang="ko-Kore-KR" altLang="en-US"/>
+          </a:p>
+        </p:txBody>
+      </p:sp>
+      <p:sp>
+        <p:nvSpPr>
+          <p:cNvPr id="6" name="TextBox 5">
+            <a:extLst>
+              <a:ext uri="{FF2B5EF4-FFF2-40B4-BE49-F238E27FC236}">
+                <a16:creationId xmlns:a16="http://schemas.microsoft.com/office/drawing/2014/main" id="{BE087230-2637-7B16-81E9-6E21156EAD68}"/>
+              </a:ext>
+            </a:extLst>
+          </p:cNvPr>
+          <p:cNvSpPr txBox="1"/>
+          <p:nvPr/>
+        </p:nvSpPr>
+        <p:spPr>
+          <a:xfrm>
+            <a:off x="1849878" y="3109878"/>
+            <a:ext cx="1107996" cy="646331"/>
+          </a:xfrm>
+          <a:prstGeom prst="rect">
+            <a:avLst/>
+          </a:prstGeom>
+          <a:noFill/>
+        </p:spPr>
+        <p:txBody>
+          <a:bodyPr wrap="none" rtlCol="0">
+            <a:spAutoFit/>
+          </a:bodyPr>
+          <a:lstStyle/>
+          <a:p>
+            <a:r>
+              <a:rPr kumimoji="1" lang="ko-KR" altLang="en-US" dirty="0"/>
+              <a:t>       </a:t>
+            </a:r>
+            <a:r>
+              <a:rPr kumimoji="1" lang="ko-Kore-KR" altLang="en-US" dirty="0"/>
+              <a:t>웹</a:t>
+            </a:r>
+            <a:r>
+              <a:rPr kumimoji="1" lang="ko-KR" altLang="en-US" dirty="0"/>
+              <a:t> </a:t>
+            </a:r>
+            <a:endParaRPr kumimoji="1" lang="en-US" altLang="ko-KR" dirty="0"/>
+          </a:p>
+          <a:p>
+            <a:r>
+              <a:rPr kumimoji="1" lang="ko-KR" altLang="en-US" dirty="0"/>
+              <a:t>브라우저</a:t>
+            </a:r>
+            <a:endParaRPr kumimoji="1" lang="ko-Kore-KR" altLang="en-US" dirty="0"/>
+          </a:p>
+        </p:txBody>
+      </p:sp>
+      <p:sp>
+        <p:nvSpPr>
+          <p:cNvPr id="7" name="직사각형 6">
+            <a:extLst>
+              <a:ext uri="{FF2B5EF4-FFF2-40B4-BE49-F238E27FC236}">
+                <a16:creationId xmlns:a16="http://schemas.microsoft.com/office/drawing/2014/main" id="{36DF4D2B-F320-B3CF-53B0-F3AFC67FD35A}"/>
+              </a:ext>
+            </a:extLst>
+          </p:cNvPr>
+          <p:cNvSpPr/>
+          <p:nvPr/>
+        </p:nvSpPr>
+        <p:spPr>
+          <a:xfrm>
+            <a:off x="5373321" y="1855253"/>
+            <a:ext cx="1483658" cy="3227297"/>
+          </a:xfrm>
+          <a:prstGeom prst="rect">
+            <a:avLst/>
+          </a:prstGeom>
+          <a:solidFill>
+            <a:schemeClr val="bg1"/>
+          </a:solidFill>
+        </p:spPr>
+        <p:style>
+          <a:lnRef idx="2">
+            <a:schemeClr val="accent1">
+              <a:shade val="50000"/>
+            </a:schemeClr>
+          </a:lnRef>
+          <a:fillRef idx="1">
+            <a:schemeClr val="accent1"/>
+          </a:fillRef>
+          <a:effectRef idx="0">
+            <a:schemeClr val="accent1"/>
+          </a:effectRef>
+          <a:fontRef idx="minor">
+            <a:schemeClr val="lt1"/>
+          </a:fontRef>
+        </p:style>
+        <p:txBody>
+          <a:bodyPr rtlCol="0" anchor="ctr"/>
+          <a:lstStyle/>
+          <a:p>
+            <a:pPr algn="ctr"/>
+            <a:endParaRPr kumimoji="1" lang="ko-Kore-KR" altLang="en-US"/>
+          </a:p>
+        </p:txBody>
+      </p:sp>
+      <p:sp>
+        <p:nvSpPr>
+          <p:cNvPr id="8" name="TextBox 7">
+            <a:extLst>
+              <a:ext uri="{FF2B5EF4-FFF2-40B4-BE49-F238E27FC236}">
+                <a16:creationId xmlns:a16="http://schemas.microsoft.com/office/drawing/2014/main" id="{D0B07A54-83E7-BF76-266B-738E0A633B98}"/>
+              </a:ext>
+            </a:extLst>
+          </p:cNvPr>
+          <p:cNvSpPr txBox="1"/>
+          <p:nvPr/>
+        </p:nvSpPr>
+        <p:spPr>
+          <a:xfrm>
+            <a:off x="5356634" y="3145737"/>
+            <a:ext cx="1160895" cy="646331"/>
+          </a:xfrm>
+          <a:prstGeom prst="rect">
+            <a:avLst/>
+          </a:prstGeom>
+          <a:noFill/>
+        </p:spPr>
+        <p:txBody>
+          <a:bodyPr wrap="none" rtlCol="0">
+            <a:spAutoFit/>
+          </a:bodyPr>
+          <a:lstStyle/>
+          <a:p>
+            <a:r>
+              <a:rPr kumimoji="1" lang="ko-Kore-KR" altLang="en-US" dirty="0"/>
+              <a:t>내장</a:t>
+            </a:r>
+            <a:r>
+              <a:rPr kumimoji="1" lang="ko-KR" altLang="en-US" dirty="0"/>
+              <a:t> </a:t>
+            </a:r>
+            <a:endParaRPr kumimoji="1" lang="en-US" altLang="ko-KR" dirty="0"/>
+          </a:p>
+          <a:p>
+            <a:r>
+              <a:rPr kumimoji="1" lang="ko-KR" altLang="en-US" dirty="0" err="1"/>
+              <a:t>톰캣</a:t>
+            </a:r>
+            <a:r>
+              <a:rPr kumimoji="1" lang="ko-KR" altLang="en-US" dirty="0"/>
+              <a:t> 서버</a:t>
+            </a:r>
+            <a:endParaRPr kumimoji="1" lang="ko-Kore-KR" altLang="en-US" dirty="0"/>
+          </a:p>
+        </p:txBody>
+      </p:sp>
+      <p:cxnSp>
+        <p:nvCxnSpPr>
+          <p:cNvPr id="10" name="직선 화살표 연결선 9">
+            <a:extLst>
+              <a:ext uri="{FF2B5EF4-FFF2-40B4-BE49-F238E27FC236}">
+                <a16:creationId xmlns:a16="http://schemas.microsoft.com/office/drawing/2014/main" id="{E2082FA7-871E-E174-BBA7-4178CB2F04D6}"/>
+              </a:ext>
+            </a:extLst>
+          </p:cNvPr>
+          <p:cNvCxnSpPr>
+            <a:cxnSpLocks/>
+          </p:cNvCxnSpPr>
+          <p:nvPr/>
+        </p:nvCxnSpPr>
+        <p:spPr>
+          <a:xfrm>
+            <a:off x="3203069" y="2725271"/>
+            <a:ext cx="2120854" cy="0"/>
+          </a:xfrm>
+          <a:prstGeom prst="straightConnector1">
+            <a:avLst/>
+          </a:prstGeom>
+          <a:ln w="88900">
+            <a:tailEnd type="triangle"/>
+          </a:ln>
+        </p:spPr>
+        <p:style>
+          <a:lnRef idx="1">
+            <a:schemeClr val="accent1"/>
+          </a:lnRef>
+          <a:fillRef idx="0">
+            <a:schemeClr val="accent1"/>
+          </a:fillRef>
+          <a:effectRef idx="0">
+            <a:schemeClr val="accent1"/>
+          </a:effectRef>
+          <a:fontRef idx="minor">
+            <a:schemeClr val="tx1"/>
+          </a:fontRef>
+        </p:style>
+      </p:cxnSp>
+      <p:sp>
+        <p:nvSpPr>
+          <p:cNvPr id="15" name="TextBox 14">
+            <a:extLst>
+              <a:ext uri="{FF2B5EF4-FFF2-40B4-BE49-F238E27FC236}">
+                <a16:creationId xmlns:a16="http://schemas.microsoft.com/office/drawing/2014/main" id="{B0A2DAB7-2E2D-6CAC-4EF3-9615DB21630B}"/>
+              </a:ext>
+            </a:extLst>
+          </p:cNvPr>
+          <p:cNvSpPr txBox="1"/>
+          <p:nvPr/>
+        </p:nvSpPr>
+        <p:spPr>
+          <a:xfrm>
+            <a:off x="3212126" y="2216546"/>
+            <a:ext cx="2178994" cy="276999"/>
+          </a:xfrm>
+          <a:prstGeom prst="rect">
+            <a:avLst/>
+          </a:prstGeom>
+          <a:noFill/>
+        </p:spPr>
+        <p:txBody>
+          <a:bodyPr wrap="none" rtlCol="0">
+            <a:spAutoFit/>
+          </a:bodyPr>
+          <a:lstStyle/>
+          <a:p>
+            <a:r>
+              <a:rPr kumimoji="1" lang="en-US" altLang="ko-Kore-KR" sz="1200" dirty="0"/>
+              <a:t>localhost:8080/hello-</a:t>
+            </a:r>
+            <a:r>
+              <a:rPr kumimoji="1" lang="en-US" altLang="ko-Kore-KR" sz="1200" dirty="0" err="1"/>
+              <a:t>static.html</a:t>
+            </a:r>
+            <a:endParaRPr kumimoji="1" lang="ko-Kore-KR" altLang="en-US" sz="1200" dirty="0"/>
+          </a:p>
+        </p:txBody>
+      </p:sp>
+      <p:sp>
+        <p:nvSpPr>
+          <p:cNvPr id="18" name="TextBox 17">
+            <a:extLst>
+              <a:ext uri="{FF2B5EF4-FFF2-40B4-BE49-F238E27FC236}">
+                <a16:creationId xmlns:a16="http://schemas.microsoft.com/office/drawing/2014/main" id="{D72F64F4-0B95-6EB3-A8E0-3829801382B8}"/>
+              </a:ext>
+            </a:extLst>
+          </p:cNvPr>
+          <p:cNvSpPr txBox="1"/>
+          <p:nvPr/>
+        </p:nvSpPr>
+        <p:spPr>
+          <a:xfrm>
+            <a:off x="3327853" y="3784920"/>
+            <a:ext cx="1709122" cy="369332"/>
+          </a:xfrm>
+          <a:prstGeom prst="rect">
+            <a:avLst/>
+          </a:prstGeom>
+          <a:noFill/>
+        </p:spPr>
+        <p:txBody>
+          <a:bodyPr wrap="none" rtlCol="0">
+            <a:spAutoFit/>
+          </a:bodyPr>
+          <a:lstStyle/>
+          <a:p>
+            <a:r>
+              <a:rPr kumimoji="1" lang="en-US" altLang="ko-Kore-KR" dirty="0"/>
+              <a:t>hello-</a:t>
+            </a:r>
+            <a:r>
+              <a:rPr kumimoji="1" lang="en-US" altLang="ko-Kore-KR" dirty="0" err="1"/>
+              <a:t>static.html</a:t>
+            </a:r>
+            <a:endParaRPr kumimoji="1" lang="ko-Kore-KR" altLang="en-US" dirty="0"/>
+          </a:p>
+        </p:txBody>
+      </p:sp>
+      <p:sp>
+        <p:nvSpPr>
+          <p:cNvPr id="20" name="직사각형 19">
+            <a:extLst>
+              <a:ext uri="{FF2B5EF4-FFF2-40B4-BE49-F238E27FC236}">
+                <a16:creationId xmlns:a16="http://schemas.microsoft.com/office/drawing/2014/main" id="{2FCE4209-3592-0F37-2E66-B91FF9701B07}"/>
+              </a:ext>
+            </a:extLst>
+          </p:cNvPr>
+          <p:cNvSpPr/>
+          <p:nvPr/>
+        </p:nvSpPr>
+        <p:spPr>
+          <a:xfrm>
+            <a:off x="7106178" y="1855254"/>
+            <a:ext cx="2360551" cy="1320298"/>
+          </a:xfrm>
+          <a:prstGeom prst="rect">
+            <a:avLst/>
+          </a:prstGeom>
+          <a:solidFill>
+            <a:schemeClr val="bg1"/>
+          </a:solidFill>
+        </p:spPr>
+        <p:style>
+          <a:lnRef idx="2">
+            <a:schemeClr val="accent1">
+              <a:shade val="50000"/>
+            </a:schemeClr>
+          </a:lnRef>
+          <a:fillRef idx="1">
+            <a:schemeClr val="accent1"/>
+          </a:fillRef>
+          <a:effectRef idx="0">
+            <a:schemeClr val="accent1"/>
+          </a:effectRef>
+          <a:fontRef idx="minor">
+            <a:schemeClr val="lt1"/>
+          </a:fontRef>
+        </p:style>
+        <p:txBody>
+          <a:bodyPr rtlCol="0" anchor="ctr"/>
+          <a:lstStyle/>
+          <a:p>
+            <a:pPr algn="ctr"/>
+            <a:endParaRPr kumimoji="1" lang="ko-Kore-KR" altLang="en-US"/>
+          </a:p>
+        </p:txBody>
+      </p:sp>
+      <p:cxnSp>
+        <p:nvCxnSpPr>
+          <p:cNvPr id="21" name="직선 화살표 연결선 20">
+            <a:extLst>
+              <a:ext uri="{FF2B5EF4-FFF2-40B4-BE49-F238E27FC236}">
+                <a16:creationId xmlns:a16="http://schemas.microsoft.com/office/drawing/2014/main" id="{38BF8A5D-E9FF-0DA2-68A6-62DDCB7738AD}"/>
+              </a:ext>
+            </a:extLst>
+          </p:cNvPr>
+          <p:cNvCxnSpPr>
+            <a:cxnSpLocks/>
+          </p:cNvCxnSpPr>
+          <p:nvPr/>
+        </p:nvCxnSpPr>
+        <p:spPr>
+          <a:xfrm>
+            <a:off x="6856979" y="2725271"/>
+            <a:ext cx="852668" cy="0"/>
+          </a:xfrm>
+          <a:prstGeom prst="straightConnector1">
+            <a:avLst/>
+          </a:prstGeom>
+          <a:ln w="88900">
+            <a:tailEnd type="triangle"/>
+          </a:ln>
+        </p:spPr>
+        <p:style>
+          <a:lnRef idx="1">
+            <a:schemeClr val="accent1"/>
+          </a:lnRef>
+          <a:fillRef idx="0">
+            <a:schemeClr val="accent1"/>
+          </a:fillRef>
+          <a:effectRef idx="0">
+            <a:schemeClr val="accent1"/>
+          </a:effectRef>
+          <a:fontRef idx="minor">
+            <a:schemeClr val="tx1"/>
+          </a:fontRef>
+        </p:style>
+      </p:cxnSp>
+      <p:sp>
+        <p:nvSpPr>
+          <p:cNvPr id="24" name="TextBox 23">
+            <a:extLst>
+              <a:ext uri="{FF2B5EF4-FFF2-40B4-BE49-F238E27FC236}">
+                <a16:creationId xmlns:a16="http://schemas.microsoft.com/office/drawing/2014/main" id="{92DF92A1-79DA-DB71-A0E9-29ADDB1F73F1}"/>
+              </a:ext>
+            </a:extLst>
+          </p:cNvPr>
+          <p:cNvSpPr txBox="1"/>
+          <p:nvPr/>
+        </p:nvSpPr>
+        <p:spPr>
+          <a:xfrm>
+            <a:off x="7629793" y="2570183"/>
+            <a:ext cx="1832553" cy="261610"/>
+          </a:xfrm>
+          <a:prstGeom prst="rect">
+            <a:avLst/>
+          </a:prstGeom>
+          <a:noFill/>
+        </p:spPr>
+        <p:txBody>
+          <a:bodyPr wrap="none" rtlCol="0">
+            <a:spAutoFit/>
+          </a:bodyPr>
+          <a:lstStyle/>
+          <a:p>
+            <a:r>
+              <a:rPr kumimoji="1" lang="en-US" altLang="ko-KR" sz="1100" dirty="0"/>
+              <a:t>hello-static</a:t>
+            </a:r>
+            <a:r>
+              <a:rPr kumimoji="1" lang="ko-KR" altLang="en-US" sz="1100" dirty="0"/>
+              <a:t> 관련 컨트롤러 </a:t>
+            </a:r>
+            <a:r>
+              <a:rPr kumimoji="1" lang="en-US" altLang="ko-KR" sz="1100" dirty="0"/>
+              <a:t>X</a:t>
+            </a:r>
+            <a:endParaRPr kumimoji="1" lang="ko-Kore-KR" altLang="en-US" sz="1600" dirty="0"/>
+          </a:p>
+        </p:txBody>
+      </p:sp>
+      <p:cxnSp>
+        <p:nvCxnSpPr>
+          <p:cNvPr id="27" name="직선 화살표 연결선 26">
+            <a:extLst>
+              <a:ext uri="{FF2B5EF4-FFF2-40B4-BE49-F238E27FC236}">
+                <a16:creationId xmlns:a16="http://schemas.microsoft.com/office/drawing/2014/main" id="{23A1B356-33E8-501B-9DB4-823DDB9AADC2}"/>
+              </a:ext>
+            </a:extLst>
+          </p:cNvPr>
+          <p:cNvCxnSpPr>
+            <a:cxnSpLocks/>
+          </p:cNvCxnSpPr>
+          <p:nvPr/>
+        </p:nvCxnSpPr>
+        <p:spPr>
+          <a:xfrm>
+            <a:off x="6856979" y="2831793"/>
+            <a:ext cx="1389399" cy="1549354"/>
+          </a:xfrm>
+          <a:prstGeom prst="straightConnector1">
+            <a:avLst/>
+          </a:prstGeom>
+          <a:ln w="88900">
+            <a:tailEnd type="triangle"/>
+          </a:ln>
+        </p:spPr>
+        <p:style>
+          <a:lnRef idx="1">
+            <a:schemeClr val="accent1"/>
+          </a:lnRef>
+          <a:fillRef idx="0">
+            <a:schemeClr val="accent1"/>
+          </a:fillRef>
+          <a:effectRef idx="0">
+            <a:schemeClr val="accent1"/>
+          </a:effectRef>
+          <a:fontRef idx="minor">
+            <a:schemeClr val="tx1"/>
+          </a:fontRef>
+        </p:style>
+      </p:cxnSp>
+      <p:sp>
+        <p:nvSpPr>
+          <p:cNvPr id="32" name="TextBox 31">
+            <a:extLst>
+              <a:ext uri="{FF2B5EF4-FFF2-40B4-BE49-F238E27FC236}">
+                <a16:creationId xmlns:a16="http://schemas.microsoft.com/office/drawing/2014/main" id="{46944EE3-97A2-38BC-9192-B736B3CF4549}"/>
+              </a:ext>
+            </a:extLst>
+          </p:cNvPr>
+          <p:cNvSpPr txBox="1"/>
+          <p:nvPr/>
+        </p:nvSpPr>
+        <p:spPr>
+          <a:xfrm>
+            <a:off x="7705827" y="1990430"/>
+            <a:ext cx="1297150" cy="276999"/>
+          </a:xfrm>
+          <a:prstGeom prst="rect">
+            <a:avLst/>
+          </a:prstGeom>
+          <a:noFill/>
+        </p:spPr>
+        <p:txBody>
+          <a:bodyPr wrap="none" rtlCol="0">
+            <a:spAutoFit/>
+          </a:bodyPr>
+          <a:lstStyle/>
+          <a:p>
+            <a:r>
+              <a:rPr kumimoji="1" lang="ko-KR" altLang="en-US" sz="1200" dirty="0"/>
+              <a:t>스프링 컨테이너</a:t>
+            </a:r>
+            <a:endParaRPr kumimoji="1" lang="ko-Kore-KR" altLang="en-US" dirty="0"/>
+          </a:p>
+        </p:txBody>
+      </p:sp>
+      <p:sp>
+        <p:nvSpPr>
+          <p:cNvPr id="33" name="TextBox 32">
+            <a:extLst>
+              <a:ext uri="{FF2B5EF4-FFF2-40B4-BE49-F238E27FC236}">
+                <a16:creationId xmlns:a16="http://schemas.microsoft.com/office/drawing/2014/main" id="{F6C58C82-67FF-08DE-944D-9A3EC176C576}"/>
+              </a:ext>
+            </a:extLst>
+          </p:cNvPr>
+          <p:cNvSpPr txBox="1"/>
+          <p:nvPr/>
+        </p:nvSpPr>
+        <p:spPr>
+          <a:xfrm>
+            <a:off x="6989303" y="937026"/>
+            <a:ext cx="1257075" cy="338554"/>
+          </a:xfrm>
+          <a:prstGeom prst="rect">
+            <a:avLst/>
+          </a:prstGeom>
+          <a:noFill/>
+        </p:spPr>
+        <p:txBody>
+          <a:bodyPr wrap="none" rtlCol="0">
+            <a:spAutoFit/>
+          </a:bodyPr>
+          <a:lstStyle/>
+          <a:p>
+            <a:r>
+              <a:rPr kumimoji="1" lang="ko-KR" altLang="en-US" sz="1600" b="1" dirty="0"/>
+              <a:t>스프링 부트</a:t>
+            </a:r>
+            <a:endParaRPr kumimoji="1" lang="ko-Kore-KR" altLang="en-US" sz="2400" b="1" dirty="0"/>
+          </a:p>
+        </p:txBody>
+      </p:sp>
+      <p:sp>
+        <p:nvSpPr>
+          <p:cNvPr id="35" name="TextBox 34">
+            <a:extLst>
+              <a:ext uri="{FF2B5EF4-FFF2-40B4-BE49-F238E27FC236}">
+                <a16:creationId xmlns:a16="http://schemas.microsoft.com/office/drawing/2014/main" id="{F1B5523B-743E-9908-6822-4358B0058171}"/>
+              </a:ext>
+            </a:extLst>
+          </p:cNvPr>
+          <p:cNvSpPr txBox="1"/>
+          <p:nvPr/>
+        </p:nvSpPr>
+        <p:spPr>
+          <a:xfrm>
+            <a:off x="7530353" y="4411924"/>
+            <a:ext cx="2275303" cy="276999"/>
+          </a:xfrm>
+          <a:prstGeom prst="rect">
+            <a:avLst/>
+          </a:prstGeom>
+          <a:noFill/>
+        </p:spPr>
+        <p:txBody>
+          <a:bodyPr wrap="none" rtlCol="0">
+            <a:spAutoFit/>
+          </a:bodyPr>
+          <a:lstStyle/>
+          <a:p>
+            <a:r>
+              <a:rPr kumimoji="1" lang="en-US" altLang="ko-Kore-KR" sz="1200" dirty="0"/>
+              <a:t>resources: static/hello-</a:t>
+            </a:r>
+            <a:r>
+              <a:rPr kumimoji="1" lang="en-US" altLang="ko-Kore-KR" sz="1200" dirty="0" err="1"/>
+              <a:t>static.html</a:t>
+            </a:r>
+            <a:endParaRPr kumimoji="1" lang="en-US" altLang="ko-Kore-KR" sz="1200" dirty="0"/>
+          </a:p>
+        </p:txBody>
+      </p:sp>
+      <p:cxnSp>
+        <p:nvCxnSpPr>
+          <p:cNvPr id="9" name="직선 화살표 연결선 8">
+            <a:extLst>
+              <a:ext uri="{FF2B5EF4-FFF2-40B4-BE49-F238E27FC236}">
+                <a16:creationId xmlns:a16="http://schemas.microsoft.com/office/drawing/2014/main" id="{277CEE8B-4772-A999-3BCB-3FFB02B4AB54}"/>
+              </a:ext>
+            </a:extLst>
+          </p:cNvPr>
+          <p:cNvCxnSpPr>
+            <a:cxnSpLocks/>
+          </p:cNvCxnSpPr>
+          <p:nvPr/>
+        </p:nvCxnSpPr>
+        <p:spPr>
+          <a:xfrm flipH="1">
+            <a:off x="3219756" y="4487668"/>
+            <a:ext cx="4168894" cy="0"/>
+          </a:xfrm>
+          <a:prstGeom prst="straightConnector1">
+            <a:avLst/>
+          </a:prstGeom>
+          <a:ln w="88900">
+            <a:tailEnd type="triangle"/>
+          </a:ln>
+        </p:spPr>
+        <p:style>
+          <a:lnRef idx="1">
+            <a:schemeClr val="accent1"/>
+          </a:lnRef>
+          <a:fillRef idx="0">
+            <a:schemeClr val="accent1"/>
+          </a:fillRef>
+          <a:effectRef idx="0">
+            <a:schemeClr val="accent1"/>
+          </a:effectRef>
+          <a:fontRef idx="minor">
+            <a:schemeClr val="tx1"/>
+          </a:fontRef>
+        </p:style>
+      </p:cxnSp>
+    </p:spTree>
+    <p:extLst>
+      <p:ext uri="{BB962C8B-B14F-4D97-AF65-F5344CB8AC3E}">
+        <p14:creationId xmlns:p14="http://schemas.microsoft.com/office/powerpoint/2010/main" val="1727609909"/>
+      </p:ext>
+    </p:extLst>
+  </p:cSld>
+  <p:clrMapOvr>
+    <a:masterClrMapping/>
+  </p:clrMapOvr>
+</p:sld>
+</file>
+
+<file path=ppt/slides/slide3.xml><?xml version="1.0" encoding="utf-8"?>
+<p:sld xmlns:a="http://schemas.openxmlformats.org/drawingml/2006/main" xmlns:r="http://schemas.openxmlformats.org/officeDocument/2006/relationships" xmlns:p="http://schemas.openxmlformats.org/presentationml/2006/main">
+  <p:cSld>
+    <p:spTree>
+      <p:nvGrpSpPr>
+        <p:cNvPr id="1" name=""/>
+        <p:cNvGrpSpPr/>
+        <p:nvPr/>
+      </p:nvGrpSpPr>
+      <p:grpSpPr>
+        <a:xfrm>
+          <a:off x="0" y="0"/>
+          <a:ext cx="0" cy="0"/>
+          <a:chOff x="0" y="0"/>
+          <a:chExt cx="0" cy="0"/>
+        </a:xfrm>
+      </p:grpSpPr>
+      <p:sp>
+        <p:nvSpPr>
+          <p:cNvPr id="19" name="직사각형 18">
+            <a:extLst>
+              <a:ext uri="{FF2B5EF4-FFF2-40B4-BE49-F238E27FC236}">
+                <a16:creationId xmlns:a16="http://schemas.microsoft.com/office/drawing/2014/main" id="{C5854C86-B413-E19F-CB95-B9EA7FE249BA}"/>
+              </a:ext>
+            </a:extLst>
+          </p:cNvPr>
+          <p:cNvSpPr/>
+          <p:nvPr/>
+        </p:nvSpPr>
+        <p:spPr>
+          <a:xfrm>
+            <a:off x="5945425" y="1299879"/>
+            <a:ext cx="3718528" cy="4276168"/>
+          </a:xfrm>
+          <a:prstGeom prst="rect">
+            <a:avLst/>
+          </a:prstGeom>
+          <a:noFill/>
+        </p:spPr>
+        <p:style>
+          <a:lnRef idx="2">
+            <a:schemeClr val="accent1">
+              <a:shade val="50000"/>
+            </a:schemeClr>
+          </a:lnRef>
+          <a:fillRef idx="1">
+            <a:schemeClr val="accent1"/>
+          </a:fillRef>
+          <a:effectRef idx="0">
+            <a:schemeClr val="accent1"/>
+          </a:effectRef>
+          <a:fontRef idx="minor">
+            <a:schemeClr val="lt1"/>
+          </a:fontRef>
+        </p:style>
+        <p:txBody>
+          <a:bodyPr rtlCol="0" anchor="ctr"/>
+          <a:lstStyle/>
+          <a:p>
+            <a:pPr algn="ctr"/>
+            <a:endParaRPr kumimoji="1" lang="ko-Kore-KR" altLang="en-US"/>
+          </a:p>
+        </p:txBody>
+      </p:sp>
+      <p:sp>
+        <p:nvSpPr>
+          <p:cNvPr id="4" name="직사각형 3">
+            <a:extLst>
+              <a:ext uri="{FF2B5EF4-FFF2-40B4-BE49-F238E27FC236}">
+                <a16:creationId xmlns:a16="http://schemas.microsoft.com/office/drawing/2014/main" id="{6E277995-369C-D4B8-6E15-7E658C8CA921}"/>
+              </a:ext>
+            </a:extLst>
+          </p:cNvPr>
+          <p:cNvSpPr/>
+          <p:nvPr/>
+        </p:nvSpPr>
+        <p:spPr>
+          <a:xfrm>
+            <a:off x="1470212" y="753035"/>
+            <a:ext cx="8659906" cy="5199530"/>
+          </a:xfrm>
+          <a:prstGeom prst="rect">
+            <a:avLst/>
+          </a:prstGeom>
+          <a:noFill/>
+        </p:spPr>
+        <p:style>
+          <a:lnRef idx="2">
+            <a:schemeClr val="accent1">
+              <a:shade val="50000"/>
+            </a:schemeClr>
+          </a:lnRef>
+          <a:fillRef idx="1">
+            <a:schemeClr val="accent1"/>
+          </a:fillRef>
+          <a:effectRef idx="0">
+            <a:schemeClr val="accent1"/>
+          </a:effectRef>
+          <a:fontRef idx="minor">
+            <a:schemeClr val="lt1"/>
+          </a:fontRef>
+        </p:style>
+        <p:txBody>
+          <a:bodyPr rtlCol="0" anchor="ctr"/>
+          <a:lstStyle/>
+          <a:p>
+            <a:pPr algn="ctr"/>
+            <a:endParaRPr kumimoji="1" lang="ko-Kore-KR" altLang="en-US"/>
+          </a:p>
+        </p:txBody>
+      </p:sp>
+      <p:sp>
+        <p:nvSpPr>
+          <p:cNvPr id="5" name="직사각형 4">
+            <a:extLst>
+              <a:ext uri="{FF2B5EF4-FFF2-40B4-BE49-F238E27FC236}">
+                <a16:creationId xmlns:a16="http://schemas.microsoft.com/office/drawing/2014/main" id="{B0E5AE56-9DC3-4AEE-1C26-486CA439754C}"/>
+              </a:ext>
+            </a:extLst>
+          </p:cNvPr>
+          <p:cNvSpPr/>
+          <p:nvPr/>
+        </p:nvSpPr>
+        <p:spPr>
+          <a:xfrm>
+            <a:off x="1604683" y="2330823"/>
+            <a:ext cx="1598386" cy="2196353"/>
+          </a:xfrm>
+          <a:prstGeom prst="rect">
+            <a:avLst/>
+          </a:prstGeom>
+          <a:noFill/>
+        </p:spPr>
+        <p:style>
+          <a:lnRef idx="2">
+            <a:schemeClr val="accent1">
+              <a:shade val="50000"/>
+            </a:schemeClr>
+          </a:lnRef>
+          <a:fillRef idx="1">
+            <a:schemeClr val="accent1"/>
+          </a:fillRef>
+          <a:effectRef idx="0">
+            <a:schemeClr val="accent1"/>
+          </a:effectRef>
+          <a:fontRef idx="minor">
+            <a:schemeClr val="lt1"/>
+          </a:fontRef>
+        </p:style>
+        <p:txBody>
+          <a:bodyPr rtlCol="0" anchor="ctr"/>
+          <a:lstStyle/>
+          <a:p>
+            <a:pPr algn="ctr"/>
+            <a:endParaRPr kumimoji="1" lang="ko-Kore-KR" altLang="en-US"/>
+          </a:p>
+        </p:txBody>
+      </p:sp>
+      <p:sp>
+        <p:nvSpPr>
+          <p:cNvPr id="6" name="TextBox 5">
+            <a:extLst>
+              <a:ext uri="{FF2B5EF4-FFF2-40B4-BE49-F238E27FC236}">
+                <a16:creationId xmlns:a16="http://schemas.microsoft.com/office/drawing/2014/main" id="{BE087230-2637-7B16-81E9-6E21156EAD68}"/>
+              </a:ext>
+            </a:extLst>
+          </p:cNvPr>
+          <p:cNvSpPr txBox="1"/>
+          <p:nvPr/>
+        </p:nvSpPr>
+        <p:spPr>
+          <a:xfrm>
+            <a:off x="1849878" y="3109878"/>
+            <a:ext cx="1107996" cy="646331"/>
+          </a:xfrm>
+          <a:prstGeom prst="rect">
+            <a:avLst/>
+          </a:prstGeom>
+          <a:noFill/>
+        </p:spPr>
+        <p:txBody>
+          <a:bodyPr wrap="none" rtlCol="0">
+            <a:spAutoFit/>
+          </a:bodyPr>
+          <a:lstStyle/>
+          <a:p>
+            <a:r>
+              <a:rPr kumimoji="1" lang="ko-KR" altLang="en-US" dirty="0"/>
+              <a:t>       </a:t>
+            </a:r>
+            <a:r>
+              <a:rPr kumimoji="1" lang="ko-Kore-KR" altLang="en-US" dirty="0"/>
+              <a:t>웹</a:t>
+            </a:r>
+            <a:r>
+              <a:rPr kumimoji="1" lang="ko-KR" altLang="en-US" dirty="0"/>
+              <a:t> </a:t>
+            </a:r>
+            <a:endParaRPr kumimoji="1" lang="en-US" altLang="ko-KR" dirty="0"/>
+          </a:p>
+          <a:p>
+            <a:r>
+              <a:rPr kumimoji="1" lang="ko-KR" altLang="en-US" dirty="0"/>
+              <a:t>브라우저</a:t>
+            </a:r>
+            <a:endParaRPr kumimoji="1" lang="ko-Kore-KR" altLang="en-US" dirty="0"/>
+          </a:p>
+        </p:txBody>
+      </p:sp>
+      <p:sp>
+        <p:nvSpPr>
+          <p:cNvPr id="7" name="직사각형 6">
+            <a:extLst>
+              <a:ext uri="{FF2B5EF4-FFF2-40B4-BE49-F238E27FC236}">
+                <a16:creationId xmlns:a16="http://schemas.microsoft.com/office/drawing/2014/main" id="{36DF4D2B-F320-B3CF-53B0-F3AFC67FD35A}"/>
+              </a:ext>
+            </a:extLst>
+          </p:cNvPr>
+          <p:cNvSpPr/>
+          <p:nvPr/>
+        </p:nvSpPr>
+        <p:spPr>
+          <a:xfrm>
+            <a:off x="5373321" y="1855253"/>
+            <a:ext cx="1483658" cy="3227297"/>
+          </a:xfrm>
+          <a:prstGeom prst="rect">
+            <a:avLst/>
+          </a:prstGeom>
+          <a:solidFill>
+            <a:schemeClr val="bg1"/>
+          </a:solidFill>
+        </p:spPr>
+        <p:style>
+          <a:lnRef idx="2">
+            <a:schemeClr val="accent1">
+              <a:shade val="50000"/>
+            </a:schemeClr>
+          </a:lnRef>
+          <a:fillRef idx="1">
+            <a:schemeClr val="accent1"/>
+          </a:fillRef>
+          <a:effectRef idx="0">
+            <a:schemeClr val="accent1"/>
+          </a:effectRef>
+          <a:fontRef idx="minor">
+            <a:schemeClr val="lt1"/>
+          </a:fontRef>
+        </p:style>
+        <p:txBody>
+          <a:bodyPr rtlCol="0" anchor="ctr"/>
+          <a:lstStyle/>
+          <a:p>
+            <a:pPr algn="ctr"/>
+            <a:endParaRPr kumimoji="1" lang="ko-Kore-KR" altLang="en-US"/>
+          </a:p>
+        </p:txBody>
+      </p:sp>
+      <p:sp>
+        <p:nvSpPr>
+          <p:cNvPr id="8" name="TextBox 7">
+            <a:extLst>
+              <a:ext uri="{FF2B5EF4-FFF2-40B4-BE49-F238E27FC236}">
+                <a16:creationId xmlns:a16="http://schemas.microsoft.com/office/drawing/2014/main" id="{D0B07A54-83E7-BF76-266B-738E0A633B98}"/>
+              </a:ext>
+            </a:extLst>
+          </p:cNvPr>
+          <p:cNvSpPr txBox="1"/>
+          <p:nvPr/>
+        </p:nvSpPr>
+        <p:spPr>
+          <a:xfrm>
+            <a:off x="5356634" y="3145737"/>
+            <a:ext cx="1160895" cy="646331"/>
+          </a:xfrm>
+          <a:prstGeom prst="rect">
+            <a:avLst/>
+          </a:prstGeom>
+          <a:noFill/>
+        </p:spPr>
+        <p:txBody>
+          <a:bodyPr wrap="none" rtlCol="0">
+            <a:spAutoFit/>
+          </a:bodyPr>
+          <a:lstStyle/>
+          <a:p>
+            <a:r>
+              <a:rPr kumimoji="1" lang="ko-Kore-KR" altLang="en-US" dirty="0"/>
+              <a:t>내장</a:t>
+            </a:r>
+            <a:r>
+              <a:rPr kumimoji="1" lang="ko-KR" altLang="en-US" dirty="0"/>
+              <a:t> </a:t>
+            </a:r>
+            <a:endParaRPr kumimoji="1" lang="en-US" altLang="ko-KR" dirty="0"/>
+          </a:p>
+          <a:p>
+            <a:r>
+              <a:rPr kumimoji="1" lang="ko-KR" altLang="en-US" dirty="0" err="1"/>
+              <a:t>톰캣</a:t>
+            </a:r>
+            <a:r>
+              <a:rPr kumimoji="1" lang="ko-KR" altLang="en-US" dirty="0"/>
+              <a:t> 서버</a:t>
+            </a:r>
+            <a:endParaRPr kumimoji="1" lang="ko-Kore-KR" altLang="en-US" dirty="0"/>
+          </a:p>
+        </p:txBody>
+      </p:sp>
+      <p:cxnSp>
+        <p:nvCxnSpPr>
+          <p:cNvPr id="10" name="직선 화살표 연결선 9">
+            <a:extLst>
+              <a:ext uri="{FF2B5EF4-FFF2-40B4-BE49-F238E27FC236}">
+                <a16:creationId xmlns:a16="http://schemas.microsoft.com/office/drawing/2014/main" id="{E2082FA7-871E-E174-BBA7-4178CB2F04D6}"/>
+              </a:ext>
+            </a:extLst>
+          </p:cNvPr>
+          <p:cNvCxnSpPr>
+            <a:cxnSpLocks/>
+          </p:cNvCxnSpPr>
+          <p:nvPr/>
+        </p:nvCxnSpPr>
+        <p:spPr>
+          <a:xfrm>
+            <a:off x="3203069" y="2725271"/>
+            <a:ext cx="2120854" cy="0"/>
+          </a:xfrm>
+          <a:prstGeom prst="straightConnector1">
+            <a:avLst/>
+          </a:prstGeom>
+          <a:ln w="88900">
+            <a:tailEnd type="triangle"/>
+          </a:ln>
+        </p:spPr>
+        <p:style>
+          <a:lnRef idx="1">
+            <a:schemeClr val="accent1"/>
+          </a:lnRef>
+          <a:fillRef idx="0">
+            <a:schemeClr val="accent1"/>
+          </a:fillRef>
+          <a:effectRef idx="0">
+            <a:schemeClr val="accent1"/>
+          </a:effectRef>
+          <a:fontRef idx="minor">
+            <a:schemeClr val="tx1"/>
+          </a:fontRef>
+        </p:style>
+      </p:cxnSp>
+      <p:cxnSp>
+        <p:nvCxnSpPr>
+          <p:cNvPr id="11" name="직선 화살표 연결선 10">
+            <a:extLst>
+              <a:ext uri="{FF2B5EF4-FFF2-40B4-BE49-F238E27FC236}">
+                <a16:creationId xmlns:a16="http://schemas.microsoft.com/office/drawing/2014/main" id="{402BD8E8-D947-B7A4-4A3E-D4D13024FD01}"/>
+              </a:ext>
+            </a:extLst>
+          </p:cNvPr>
+          <p:cNvCxnSpPr>
+            <a:cxnSpLocks/>
+          </p:cNvCxnSpPr>
+          <p:nvPr/>
+        </p:nvCxnSpPr>
+        <p:spPr>
+          <a:xfrm flipH="1">
+            <a:off x="3337540" y="4356847"/>
+            <a:ext cx="4192813" cy="0"/>
+          </a:xfrm>
+          <a:prstGeom prst="straightConnector1">
+            <a:avLst/>
+          </a:prstGeom>
+          <a:ln w="88900">
+            <a:tailEnd type="triangle"/>
+          </a:ln>
+        </p:spPr>
+        <p:style>
+          <a:lnRef idx="1">
+            <a:schemeClr val="accent1"/>
+          </a:lnRef>
+          <a:fillRef idx="0">
+            <a:schemeClr val="accent1"/>
+          </a:fillRef>
+          <a:effectRef idx="0">
+            <a:schemeClr val="accent1"/>
+          </a:effectRef>
+          <a:fontRef idx="minor">
+            <a:schemeClr val="tx1"/>
+          </a:fontRef>
+        </p:style>
+      </p:cxnSp>
+      <p:sp>
+        <p:nvSpPr>
+          <p:cNvPr id="15" name="TextBox 14">
+            <a:extLst>
+              <a:ext uri="{FF2B5EF4-FFF2-40B4-BE49-F238E27FC236}">
+                <a16:creationId xmlns:a16="http://schemas.microsoft.com/office/drawing/2014/main" id="{B0A2DAB7-2E2D-6CAC-4EF3-9615DB21630B}"/>
+              </a:ext>
+            </a:extLst>
+          </p:cNvPr>
+          <p:cNvSpPr txBox="1"/>
+          <p:nvPr/>
+        </p:nvSpPr>
+        <p:spPr>
+          <a:xfrm>
+            <a:off x="3212126" y="2216546"/>
+            <a:ext cx="2035557" cy="307777"/>
+          </a:xfrm>
+          <a:prstGeom prst="rect">
+            <a:avLst/>
+          </a:prstGeom>
+          <a:noFill/>
+        </p:spPr>
+        <p:txBody>
+          <a:bodyPr wrap="none" rtlCol="0">
+            <a:spAutoFit/>
+          </a:bodyPr>
+          <a:lstStyle/>
+          <a:p>
+            <a:r>
+              <a:rPr kumimoji="1" lang="en-US" altLang="ko-Kore-KR" sz="1400" dirty="0"/>
+              <a:t>localhost:8080/hello-</a:t>
+            </a:r>
+            <a:r>
+              <a:rPr kumimoji="1" lang="en-US" altLang="ko-Kore-KR" sz="1400" dirty="0" err="1"/>
+              <a:t>mvc</a:t>
+            </a:r>
+            <a:endParaRPr kumimoji="1" lang="ko-Kore-KR" altLang="en-US" sz="1400" dirty="0"/>
+          </a:p>
+        </p:txBody>
+      </p:sp>
+      <p:sp>
+        <p:nvSpPr>
+          <p:cNvPr id="18" name="TextBox 17">
+            <a:extLst>
+              <a:ext uri="{FF2B5EF4-FFF2-40B4-BE49-F238E27FC236}">
+                <a16:creationId xmlns:a16="http://schemas.microsoft.com/office/drawing/2014/main" id="{D72F64F4-0B95-6EB3-A8E0-3829801382B8}"/>
+              </a:ext>
+            </a:extLst>
+          </p:cNvPr>
+          <p:cNvSpPr txBox="1"/>
+          <p:nvPr/>
+        </p:nvSpPr>
+        <p:spPr>
+          <a:xfrm>
+            <a:off x="3327853" y="3784920"/>
+            <a:ext cx="1886542" cy="369332"/>
+          </a:xfrm>
+          <a:prstGeom prst="rect">
+            <a:avLst/>
+          </a:prstGeom>
+          <a:noFill/>
+        </p:spPr>
+        <p:txBody>
+          <a:bodyPr wrap="none" rtlCol="0">
+            <a:spAutoFit/>
+          </a:bodyPr>
+          <a:lstStyle/>
+          <a:p>
+            <a:r>
+              <a:rPr kumimoji="1" lang="ko-KR" altLang="en-US" dirty="0"/>
+              <a:t>변환된 </a:t>
+            </a:r>
+            <a:r>
+              <a:rPr kumimoji="1" lang="en-US" altLang="ko-Kore-KR" dirty="0" err="1"/>
+              <a:t>hello.html</a:t>
+            </a:r>
+            <a:endParaRPr kumimoji="1" lang="ko-Kore-KR" altLang="en-US" dirty="0"/>
+          </a:p>
+        </p:txBody>
+      </p:sp>
+      <p:sp>
+        <p:nvSpPr>
+          <p:cNvPr id="20" name="직사각형 19">
+            <a:extLst>
+              <a:ext uri="{FF2B5EF4-FFF2-40B4-BE49-F238E27FC236}">
+                <a16:creationId xmlns:a16="http://schemas.microsoft.com/office/drawing/2014/main" id="{2FCE4209-3592-0F37-2E66-B91FF9701B07}"/>
+              </a:ext>
+            </a:extLst>
+          </p:cNvPr>
+          <p:cNvSpPr/>
+          <p:nvPr/>
+        </p:nvSpPr>
+        <p:spPr>
+          <a:xfrm>
+            <a:off x="7106178" y="1855253"/>
+            <a:ext cx="2360551" cy="3227297"/>
+          </a:xfrm>
+          <a:prstGeom prst="rect">
+            <a:avLst/>
+          </a:prstGeom>
+          <a:solidFill>
+            <a:schemeClr val="bg1"/>
+          </a:solidFill>
+        </p:spPr>
+        <p:style>
+          <a:lnRef idx="2">
+            <a:schemeClr val="accent1">
+              <a:shade val="50000"/>
+            </a:schemeClr>
+          </a:lnRef>
+          <a:fillRef idx="1">
+            <a:schemeClr val="accent1"/>
+          </a:fillRef>
+          <a:effectRef idx="0">
+            <a:schemeClr val="accent1"/>
+          </a:effectRef>
+          <a:fontRef idx="minor">
+            <a:schemeClr val="lt1"/>
+          </a:fontRef>
+        </p:style>
+        <p:txBody>
+          <a:bodyPr rtlCol="0" anchor="ctr"/>
+          <a:lstStyle/>
+          <a:p>
+            <a:pPr algn="ctr"/>
+            <a:endParaRPr kumimoji="1" lang="ko-Kore-KR" altLang="en-US"/>
+          </a:p>
+        </p:txBody>
+      </p:sp>
+      <p:cxnSp>
+        <p:nvCxnSpPr>
+          <p:cNvPr id="21" name="직선 화살표 연결선 20">
+            <a:extLst>
+              <a:ext uri="{FF2B5EF4-FFF2-40B4-BE49-F238E27FC236}">
+                <a16:creationId xmlns:a16="http://schemas.microsoft.com/office/drawing/2014/main" id="{38BF8A5D-E9FF-0DA2-68A6-62DDCB7738AD}"/>
+              </a:ext>
+            </a:extLst>
+          </p:cNvPr>
+          <p:cNvCxnSpPr>
+            <a:cxnSpLocks/>
+          </p:cNvCxnSpPr>
+          <p:nvPr/>
+        </p:nvCxnSpPr>
+        <p:spPr>
+          <a:xfrm>
+            <a:off x="6856979" y="2725271"/>
+            <a:ext cx="852668" cy="0"/>
+          </a:xfrm>
+          <a:prstGeom prst="straightConnector1">
+            <a:avLst/>
+          </a:prstGeom>
+          <a:ln w="88900">
+            <a:tailEnd type="triangle"/>
+          </a:ln>
+        </p:spPr>
+        <p:style>
+          <a:lnRef idx="1">
+            <a:schemeClr val="accent1"/>
+          </a:lnRef>
+          <a:fillRef idx="0">
+            <a:schemeClr val="accent1"/>
+          </a:fillRef>
+          <a:effectRef idx="0">
+            <a:schemeClr val="accent1"/>
+          </a:effectRef>
+          <a:fontRef idx="minor">
+            <a:schemeClr val="tx1"/>
+          </a:fontRef>
+        </p:style>
+      </p:cxnSp>
+      <p:sp>
+        <p:nvSpPr>
+          <p:cNvPr id="23" name="직사각형 22">
+            <a:extLst>
+              <a:ext uri="{FF2B5EF4-FFF2-40B4-BE49-F238E27FC236}">
+                <a16:creationId xmlns:a16="http://schemas.microsoft.com/office/drawing/2014/main" id="{AABAA9E4-0197-9073-DAF9-7DE4AD058FB8}"/>
+              </a:ext>
+            </a:extLst>
+          </p:cNvPr>
+          <p:cNvSpPr/>
+          <p:nvPr/>
+        </p:nvSpPr>
+        <p:spPr>
+          <a:xfrm>
+            <a:off x="7804689" y="2420034"/>
+            <a:ext cx="1483658" cy="725703"/>
+          </a:xfrm>
+          <a:prstGeom prst="rect">
+            <a:avLst/>
+          </a:prstGeom>
+          <a:solidFill>
+            <a:schemeClr val="bg1"/>
+          </a:solidFill>
+        </p:spPr>
+        <p:style>
+          <a:lnRef idx="2">
+            <a:schemeClr val="accent1">
+              <a:shade val="50000"/>
+            </a:schemeClr>
+          </a:lnRef>
+          <a:fillRef idx="1">
+            <a:schemeClr val="accent1"/>
+          </a:fillRef>
+          <a:effectRef idx="0">
+            <a:schemeClr val="accent1"/>
+          </a:effectRef>
+          <a:fontRef idx="minor">
+            <a:schemeClr val="lt1"/>
+          </a:fontRef>
+        </p:style>
+        <p:txBody>
+          <a:bodyPr rtlCol="0" anchor="ctr"/>
+          <a:lstStyle/>
+          <a:p>
+            <a:pPr algn="ctr"/>
+            <a:endParaRPr kumimoji="1" lang="ko-Kore-KR" altLang="en-US" dirty="0"/>
+          </a:p>
+        </p:txBody>
+      </p:sp>
+      <p:sp>
+        <p:nvSpPr>
+          <p:cNvPr id="24" name="TextBox 23">
+            <a:extLst>
+              <a:ext uri="{FF2B5EF4-FFF2-40B4-BE49-F238E27FC236}">
+                <a16:creationId xmlns:a16="http://schemas.microsoft.com/office/drawing/2014/main" id="{92DF92A1-79DA-DB71-A0E9-29ADDB1F73F1}"/>
+              </a:ext>
+            </a:extLst>
+          </p:cNvPr>
+          <p:cNvSpPr txBox="1"/>
+          <p:nvPr/>
+        </p:nvSpPr>
+        <p:spPr>
+          <a:xfrm>
+            <a:off x="8031302" y="2644385"/>
+            <a:ext cx="1120115" cy="276999"/>
+          </a:xfrm>
+          <a:prstGeom prst="rect">
+            <a:avLst/>
+          </a:prstGeom>
+          <a:noFill/>
+        </p:spPr>
+        <p:txBody>
+          <a:bodyPr wrap="none" rtlCol="0">
+            <a:spAutoFit/>
+          </a:bodyPr>
+          <a:lstStyle/>
+          <a:p>
+            <a:r>
+              <a:rPr kumimoji="1" lang="en-US" altLang="ko-KR" sz="1200" dirty="0" err="1"/>
+              <a:t>helloController</a:t>
+            </a:r>
+            <a:endParaRPr kumimoji="1" lang="ko-Kore-KR" altLang="en-US" dirty="0"/>
+          </a:p>
+        </p:txBody>
+      </p:sp>
+      <p:sp>
+        <p:nvSpPr>
+          <p:cNvPr id="25" name="직사각형 24">
+            <a:extLst>
+              <a:ext uri="{FF2B5EF4-FFF2-40B4-BE49-F238E27FC236}">
+                <a16:creationId xmlns:a16="http://schemas.microsoft.com/office/drawing/2014/main" id="{750C5718-2D09-8205-449F-812A88CA55D2}"/>
+              </a:ext>
+            </a:extLst>
+          </p:cNvPr>
+          <p:cNvSpPr/>
+          <p:nvPr/>
+        </p:nvSpPr>
+        <p:spPr>
+          <a:xfrm>
+            <a:off x="7815439" y="3881715"/>
+            <a:ext cx="1483658" cy="725703"/>
+          </a:xfrm>
+          <a:prstGeom prst="rect">
+            <a:avLst/>
+          </a:prstGeom>
+          <a:solidFill>
+            <a:schemeClr val="bg1"/>
+          </a:solidFill>
+        </p:spPr>
+        <p:style>
+          <a:lnRef idx="2">
+            <a:schemeClr val="accent1">
+              <a:shade val="50000"/>
+            </a:schemeClr>
+          </a:lnRef>
+          <a:fillRef idx="1">
+            <a:schemeClr val="accent1"/>
+          </a:fillRef>
+          <a:effectRef idx="0">
+            <a:schemeClr val="accent1"/>
+          </a:effectRef>
+          <a:fontRef idx="minor">
+            <a:schemeClr val="lt1"/>
+          </a:fontRef>
+        </p:style>
+        <p:txBody>
+          <a:bodyPr rtlCol="0" anchor="ctr"/>
+          <a:lstStyle/>
+          <a:p>
+            <a:pPr algn="ctr"/>
+            <a:endParaRPr kumimoji="1" lang="ko-Kore-KR" altLang="en-US" dirty="0"/>
+          </a:p>
+        </p:txBody>
+      </p:sp>
+      <p:sp>
+        <p:nvSpPr>
+          <p:cNvPr id="26" name="TextBox 25">
+            <a:extLst>
+              <a:ext uri="{FF2B5EF4-FFF2-40B4-BE49-F238E27FC236}">
+                <a16:creationId xmlns:a16="http://schemas.microsoft.com/office/drawing/2014/main" id="{CB8AE491-717A-1CF4-8980-BA43472B2296}"/>
+              </a:ext>
+            </a:extLst>
+          </p:cNvPr>
+          <p:cNvSpPr txBox="1"/>
+          <p:nvPr/>
+        </p:nvSpPr>
+        <p:spPr>
+          <a:xfrm>
+            <a:off x="8042052" y="4106066"/>
+            <a:ext cx="1008481" cy="276999"/>
+          </a:xfrm>
+          <a:prstGeom prst="rect">
+            <a:avLst/>
+          </a:prstGeom>
+          <a:noFill/>
+        </p:spPr>
+        <p:txBody>
+          <a:bodyPr wrap="none" rtlCol="0">
+            <a:spAutoFit/>
+          </a:bodyPr>
+          <a:lstStyle/>
+          <a:p>
+            <a:r>
+              <a:rPr kumimoji="1" lang="en-US" altLang="ko-KR" sz="1200" dirty="0" err="1"/>
+              <a:t>viewResolver</a:t>
+            </a:r>
+            <a:endParaRPr kumimoji="1" lang="ko-Kore-KR" altLang="en-US" dirty="0"/>
+          </a:p>
+        </p:txBody>
+      </p:sp>
+      <p:cxnSp>
+        <p:nvCxnSpPr>
+          <p:cNvPr id="27" name="직선 화살표 연결선 26">
+            <a:extLst>
+              <a:ext uri="{FF2B5EF4-FFF2-40B4-BE49-F238E27FC236}">
+                <a16:creationId xmlns:a16="http://schemas.microsoft.com/office/drawing/2014/main" id="{23A1B356-33E8-501B-9DB4-823DDB9AADC2}"/>
+              </a:ext>
+            </a:extLst>
+          </p:cNvPr>
+          <p:cNvCxnSpPr>
+            <a:cxnSpLocks/>
+            <a:endCxn id="25" idx="0"/>
+          </p:cNvCxnSpPr>
+          <p:nvPr/>
+        </p:nvCxnSpPr>
+        <p:spPr>
+          <a:xfrm>
+            <a:off x="8557268" y="3272116"/>
+            <a:ext cx="0" cy="609599"/>
+          </a:xfrm>
+          <a:prstGeom prst="straightConnector1">
+            <a:avLst/>
+          </a:prstGeom>
+          <a:ln w="88900">
+            <a:tailEnd type="triangle"/>
+          </a:ln>
+        </p:spPr>
+        <p:style>
+          <a:lnRef idx="1">
+            <a:schemeClr val="accent1"/>
+          </a:lnRef>
+          <a:fillRef idx="0">
+            <a:schemeClr val="accent1"/>
+          </a:fillRef>
+          <a:effectRef idx="0">
+            <a:schemeClr val="accent1"/>
+          </a:effectRef>
+          <a:fontRef idx="minor">
+            <a:schemeClr val="tx1"/>
+          </a:fontRef>
+        </p:style>
+      </p:cxnSp>
+      <p:sp>
+        <p:nvSpPr>
+          <p:cNvPr id="32" name="TextBox 31">
+            <a:extLst>
+              <a:ext uri="{FF2B5EF4-FFF2-40B4-BE49-F238E27FC236}">
+                <a16:creationId xmlns:a16="http://schemas.microsoft.com/office/drawing/2014/main" id="{46944EE3-97A2-38BC-9192-B736B3CF4549}"/>
+              </a:ext>
+            </a:extLst>
+          </p:cNvPr>
+          <p:cNvSpPr txBox="1"/>
+          <p:nvPr/>
+        </p:nvSpPr>
+        <p:spPr>
+          <a:xfrm>
+            <a:off x="7705827" y="1990430"/>
+            <a:ext cx="1297150" cy="276999"/>
+          </a:xfrm>
+          <a:prstGeom prst="rect">
+            <a:avLst/>
+          </a:prstGeom>
+          <a:noFill/>
+        </p:spPr>
+        <p:txBody>
+          <a:bodyPr wrap="none" rtlCol="0">
+            <a:spAutoFit/>
+          </a:bodyPr>
+          <a:lstStyle/>
+          <a:p>
+            <a:r>
+              <a:rPr kumimoji="1" lang="ko-KR" altLang="en-US" sz="1200" dirty="0"/>
+              <a:t>스프링 컨테이너</a:t>
+            </a:r>
+            <a:endParaRPr kumimoji="1" lang="ko-Kore-KR" altLang="en-US" dirty="0"/>
+          </a:p>
+        </p:txBody>
+      </p:sp>
+      <p:sp>
+        <p:nvSpPr>
+          <p:cNvPr id="33" name="TextBox 32">
+            <a:extLst>
+              <a:ext uri="{FF2B5EF4-FFF2-40B4-BE49-F238E27FC236}">
+                <a16:creationId xmlns:a16="http://schemas.microsoft.com/office/drawing/2014/main" id="{F6C58C82-67FF-08DE-944D-9A3EC176C576}"/>
+              </a:ext>
+            </a:extLst>
+          </p:cNvPr>
+          <p:cNvSpPr txBox="1"/>
+          <p:nvPr/>
+        </p:nvSpPr>
+        <p:spPr>
+          <a:xfrm>
+            <a:off x="6989303" y="937026"/>
+            <a:ext cx="1257075" cy="338554"/>
+          </a:xfrm>
+          <a:prstGeom prst="rect">
+            <a:avLst/>
+          </a:prstGeom>
+          <a:noFill/>
+        </p:spPr>
+        <p:txBody>
+          <a:bodyPr wrap="none" rtlCol="0">
+            <a:spAutoFit/>
+          </a:bodyPr>
+          <a:lstStyle/>
+          <a:p>
+            <a:r>
+              <a:rPr kumimoji="1" lang="ko-KR" altLang="en-US" sz="1600" b="1" dirty="0"/>
+              <a:t>스프링 부트</a:t>
+            </a:r>
+            <a:endParaRPr kumimoji="1" lang="ko-Kore-KR" altLang="en-US" sz="2400" b="1" dirty="0"/>
+          </a:p>
+        </p:txBody>
+      </p:sp>
+      <p:sp>
+        <p:nvSpPr>
+          <p:cNvPr id="34" name="TextBox 33">
+            <a:extLst>
+              <a:ext uri="{FF2B5EF4-FFF2-40B4-BE49-F238E27FC236}">
+                <a16:creationId xmlns:a16="http://schemas.microsoft.com/office/drawing/2014/main" id="{4DEAA270-6FF8-21C7-AE99-EF79A10D342F}"/>
+              </a:ext>
+            </a:extLst>
+          </p:cNvPr>
+          <p:cNvSpPr txBox="1"/>
+          <p:nvPr/>
+        </p:nvSpPr>
+        <p:spPr>
+          <a:xfrm>
+            <a:off x="7113599" y="4689448"/>
+            <a:ext cx="2151871" cy="461665"/>
+          </a:xfrm>
+          <a:prstGeom prst="rect">
+            <a:avLst/>
+          </a:prstGeom>
+          <a:noFill/>
+        </p:spPr>
+        <p:txBody>
+          <a:bodyPr wrap="none" rtlCol="0">
+            <a:spAutoFit/>
+          </a:bodyPr>
+          <a:lstStyle/>
+          <a:p>
+            <a:r>
+              <a:rPr kumimoji="1" lang="en-US" altLang="ko-Kore-KR" sz="1200" dirty="0"/>
+              <a:t>templates/hello</a:t>
+            </a:r>
+            <a:r>
+              <a:rPr kumimoji="1" lang="en-US" altLang="ko-KR" sz="1200" dirty="0"/>
+              <a:t>-</a:t>
+            </a:r>
+            <a:r>
+              <a:rPr kumimoji="1" lang="en-US" altLang="ko-KR" sz="1200" dirty="0" err="1"/>
+              <a:t>template</a:t>
+            </a:r>
+            <a:r>
+              <a:rPr kumimoji="1" lang="en-US" altLang="ko-Kore-KR" sz="1200" dirty="0" err="1"/>
+              <a:t>.html</a:t>
+            </a:r>
+            <a:r>
+              <a:rPr kumimoji="1" lang="en-US" altLang="ko-Kore-KR" sz="1200" dirty="0"/>
+              <a:t> </a:t>
+            </a:r>
+          </a:p>
+          <a:p>
+            <a:r>
+              <a:rPr kumimoji="1" lang="en-US" altLang="ko-Kore-KR" sz="1200" dirty="0" err="1"/>
+              <a:t>Thymeleaf</a:t>
+            </a:r>
+            <a:r>
+              <a:rPr kumimoji="1" lang="en-US" altLang="ko-Kore-KR" sz="1200" dirty="0"/>
+              <a:t> </a:t>
+            </a:r>
+            <a:r>
+              <a:rPr kumimoji="1" lang="ko-KR" altLang="en-US" sz="1200" dirty="0"/>
+              <a:t>템플릿 엔진 처리</a:t>
+            </a:r>
+            <a:endParaRPr kumimoji="1" lang="ko-Kore-KR" altLang="en-US" dirty="0"/>
+          </a:p>
+        </p:txBody>
+      </p:sp>
+      <p:sp>
+        <p:nvSpPr>
+          <p:cNvPr id="35" name="TextBox 34">
+            <a:extLst>
+              <a:ext uri="{FF2B5EF4-FFF2-40B4-BE49-F238E27FC236}">
+                <a16:creationId xmlns:a16="http://schemas.microsoft.com/office/drawing/2014/main" id="{F1B5523B-743E-9908-6822-4358B0058171}"/>
+              </a:ext>
+            </a:extLst>
+          </p:cNvPr>
+          <p:cNvSpPr txBox="1"/>
+          <p:nvPr/>
+        </p:nvSpPr>
+        <p:spPr>
+          <a:xfrm>
+            <a:off x="7083800" y="3175551"/>
+            <a:ext cx="2111475" cy="461665"/>
+          </a:xfrm>
+          <a:prstGeom prst="rect">
+            <a:avLst/>
+          </a:prstGeom>
+          <a:noFill/>
+        </p:spPr>
+        <p:txBody>
+          <a:bodyPr wrap="none" rtlCol="0">
+            <a:spAutoFit/>
+          </a:bodyPr>
+          <a:lstStyle/>
+          <a:p>
+            <a:r>
+              <a:rPr kumimoji="1" lang="en-US" altLang="ko-Kore-KR" sz="1200" dirty="0"/>
+              <a:t>return: hello</a:t>
+            </a:r>
+            <a:r>
+              <a:rPr kumimoji="1" lang="en-US" altLang="ko-KR" sz="1200" dirty="0"/>
+              <a:t>-template</a:t>
+            </a:r>
+            <a:endParaRPr kumimoji="1" lang="en-US" altLang="ko-Kore-KR" sz="1200" dirty="0"/>
+          </a:p>
+          <a:p>
+            <a:r>
+              <a:rPr kumimoji="1" lang="en-US" altLang="ko-Kore-KR" sz="1200" dirty="0"/>
+              <a:t>model(name: name</a:t>
+            </a:r>
+            <a:r>
+              <a:rPr kumimoji="1" lang="ko-KR" altLang="en-US" sz="1200" dirty="0"/>
+              <a:t> 매개변수</a:t>
+            </a:r>
+            <a:r>
+              <a:rPr kumimoji="1" lang="en-US" altLang="ko-Kore-KR" sz="1200" dirty="0"/>
+              <a:t>)</a:t>
+            </a:r>
+            <a:endParaRPr kumimoji="1" lang="ko-Kore-KR" altLang="en-US" dirty="0"/>
+          </a:p>
+        </p:txBody>
+      </p:sp>
+    </p:spTree>
+    <p:extLst>
+      <p:ext uri="{BB962C8B-B14F-4D97-AF65-F5344CB8AC3E}">
+        <p14:creationId xmlns:p14="http://schemas.microsoft.com/office/powerpoint/2010/main" val="2367844638"/>
       </p:ext>
     </p:extLst>
   </p:cSld>
